--- a/slp&i/medium/img.pptx
+++ b/slp&i/medium/img.pptx
@@ -256,7 +256,7 @@
           <a:p>
             <a:fld id="{3E906AA8-AB23-40FA-BFDB-6A33FBF1CFF0}" type="datetimeFigureOut">
               <a:rPr lang="zh-TW" altLang="en-US" smtClean="0"/>
-              <a:t>2020/10/29</a:t>
+              <a:t>2020/11/1</a:t>
             </a:fld>
             <a:endParaRPr lang="zh-TW" altLang="en-US"/>
           </a:p>
@@ -426,7 +426,7 @@
           <a:p>
             <a:fld id="{3E906AA8-AB23-40FA-BFDB-6A33FBF1CFF0}" type="datetimeFigureOut">
               <a:rPr lang="zh-TW" altLang="en-US" smtClean="0"/>
-              <a:t>2020/10/29</a:t>
+              <a:t>2020/11/1</a:t>
             </a:fld>
             <a:endParaRPr lang="zh-TW" altLang="en-US"/>
           </a:p>
@@ -606,7 +606,7 @@
           <a:p>
             <a:fld id="{3E906AA8-AB23-40FA-BFDB-6A33FBF1CFF0}" type="datetimeFigureOut">
               <a:rPr lang="zh-TW" altLang="en-US" smtClean="0"/>
-              <a:t>2020/10/29</a:t>
+              <a:t>2020/11/1</a:t>
             </a:fld>
             <a:endParaRPr lang="zh-TW" altLang="en-US"/>
           </a:p>
@@ -776,7 +776,7 @@
           <a:p>
             <a:fld id="{3E906AA8-AB23-40FA-BFDB-6A33FBF1CFF0}" type="datetimeFigureOut">
               <a:rPr lang="zh-TW" altLang="en-US" smtClean="0"/>
-              <a:t>2020/10/29</a:t>
+              <a:t>2020/11/1</a:t>
             </a:fld>
             <a:endParaRPr lang="zh-TW" altLang="en-US"/>
           </a:p>
@@ -1020,7 +1020,7 @@
           <a:p>
             <a:fld id="{3E906AA8-AB23-40FA-BFDB-6A33FBF1CFF0}" type="datetimeFigureOut">
               <a:rPr lang="zh-TW" altLang="en-US" smtClean="0"/>
-              <a:t>2020/10/29</a:t>
+              <a:t>2020/11/1</a:t>
             </a:fld>
             <a:endParaRPr lang="zh-TW" altLang="en-US"/>
           </a:p>
@@ -1252,7 +1252,7 @@
           <a:p>
             <a:fld id="{3E906AA8-AB23-40FA-BFDB-6A33FBF1CFF0}" type="datetimeFigureOut">
               <a:rPr lang="zh-TW" altLang="en-US" smtClean="0"/>
-              <a:t>2020/10/29</a:t>
+              <a:t>2020/11/1</a:t>
             </a:fld>
             <a:endParaRPr lang="zh-TW" altLang="en-US"/>
           </a:p>
@@ -1619,7 +1619,7 @@
           <a:p>
             <a:fld id="{3E906AA8-AB23-40FA-BFDB-6A33FBF1CFF0}" type="datetimeFigureOut">
               <a:rPr lang="zh-TW" altLang="en-US" smtClean="0"/>
-              <a:t>2020/10/29</a:t>
+              <a:t>2020/11/1</a:t>
             </a:fld>
             <a:endParaRPr lang="zh-TW" altLang="en-US"/>
           </a:p>
@@ -1737,7 +1737,7 @@
           <a:p>
             <a:fld id="{3E906AA8-AB23-40FA-BFDB-6A33FBF1CFF0}" type="datetimeFigureOut">
               <a:rPr lang="zh-TW" altLang="en-US" smtClean="0"/>
-              <a:t>2020/10/29</a:t>
+              <a:t>2020/11/1</a:t>
             </a:fld>
             <a:endParaRPr lang="zh-TW" altLang="en-US"/>
           </a:p>
@@ -1832,7 +1832,7 @@
           <a:p>
             <a:fld id="{3E906AA8-AB23-40FA-BFDB-6A33FBF1CFF0}" type="datetimeFigureOut">
               <a:rPr lang="zh-TW" altLang="en-US" smtClean="0"/>
-              <a:t>2020/10/29</a:t>
+              <a:t>2020/11/1</a:t>
             </a:fld>
             <a:endParaRPr lang="zh-TW" altLang="en-US"/>
           </a:p>
@@ -2109,7 +2109,7 @@
           <a:p>
             <a:fld id="{3E906AA8-AB23-40FA-BFDB-6A33FBF1CFF0}" type="datetimeFigureOut">
               <a:rPr lang="zh-TW" altLang="en-US" smtClean="0"/>
-              <a:t>2020/10/29</a:t>
+              <a:t>2020/11/1</a:t>
             </a:fld>
             <a:endParaRPr lang="zh-TW" altLang="en-US"/>
           </a:p>
@@ -2366,7 +2366,7 @@
           <a:p>
             <a:fld id="{3E906AA8-AB23-40FA-BFDB-6A33FBF1CFF0}" type="datetimeFigureOut">
               <a:rPr lang="zh-TW" altLang="en-US" smtClean="0"/>
-              <a:t>2020/10/29</a:t>
+              <a:t>2020/11/1</a:t>
             </a:fld>
             <a:endParaRPr lang="zh-TW" altLang="en-US"/>
           </a:p>
@@ -2579,7 +2579,7 @@
           <a:p>
             <a:fld id="{3E906AA8-AB23-40FA-BFDB-6A33FBF1CFF0}" type="datetimeFigureOut">
               <a:rPr lang="zh-TW" altLang="en-US" smtClean="0"/>
-              <a:t>2020/10/29</a:t>
+              <a:t>2020/11/1</a:t>
             </a:fld>
             <a:endParaRPr lang="zh-TW" altLang="en-US"/>
           </a:p>
@@ -6206,7 +6206,7 @@
             <a:gradFill flip="none" rotWithShape="1">
               <a:gsLst>
                 <a:gs pos="0">
-                  <a:schemeClr val="accent2"/>
+                  <a:schemeClr val="accent1"/>
                 </a:gs>
                 <a:gs pos="100000">
                   <a:srgbClr val="FF0066"/>
@@ -6256,7 +6256,7 @@
             <a:gradFill flip="none" rotWithShape="1">
               <a:gsLst>
                 <a:gs pos="0">
-                  <a:schemeClr val="accent2"/>
+                  <a:schemeClr val="accent1"/>
                 </a:gs>
                 <a:gs pos="100000">
                   <a:srgbClr val="FF0066"/>
@@ -6306,7 +6306,7 @@
             <a:gradFill flip="none" rotWithShape="1">
               <a:gsLst>
                 <a:gs pos="0">
-                  <a:schemeClr val="accent2"/>
+                  <a:schemeClr val="accent1"/>
                 </a:gs>
                 <a:gs pos="100000">
                   <a:srgbClr val="FF0066"/>
@@ -6356,7 +6356,7 @@
             <a:gradFill flip="none" rotWithShape="1">
               <a:gsLst>
                 <a:gs pos="0">
-                  <a:schemeClr val="accent2"/>
+                  <a:schemeClr val="accent1"/>
                 </a:gs>
                 <a:gs pos="100000">
                   <a:srgbClr val="FF0066"/>
@@ -6501,7 +6501,7 @@
             <a:gradFill flip="none" rotWithShape="1">
               <a:gsLst>
                 <a:gs pos="0">
-                  <a:schemeClr val="accent2"/>
+                  <a:schemeClr val="accent1"/>
                 </a:gs>
                 <a:gs pos="100000">
                   <a:srgbClr val="FF0066"/>
@@ -6549,7 +6549,7 @@
             <a:gradFill flip="none" rotWithShape="1">
               <a:gsLst>
                 <a:gs pos="0">
-                  <a:schemeClr val="accent2"/>
+                  <a:schemeClr val="accent1"/>
                 </a:gs>
                 <a:gs pos="100000">
                   <a:srgbClr val="FF0066"/>
@@ -6597,7 +6597,7 @@
             <a:gradFill flip="none" rotWithShape="1">
               <a:gsLst>
                 <a:gs pos="0">
-                  <a:schemeClr val="accent2"/>
+                  <a:schemeClr val="accent1"/>
                 </a:gs>
                 <a:gs pos="100000">
                   <a:srgbClr val="FF0066"/>
@@ -6645,7 +6645,7 @@
             <a:gradFill flip="none" rotWithShape="1">
               <a:gsLst>
                 <a:gs pos="0">
-                  <a:schemeClr val="accent2"/>
+                  <a:schemeClr val="accent1"/>
                 </a:gs>
                 <a:gs pos="100000">
                   <a:srgbClr val="FF0066"/>
@@ -8054,7 +8054,7 @@
                 <a:avLst/>
               </a:prstGeom>
               <a:solidFill>
-                <a:schemeClr val="accent2"/>
+                <a:schemeClr val="accent1"/>
               </a:solidFill>
               <a:ln>
                 <a:noFill/>
@@ -8229,8 +8229,8 @@
             </a:p>
           </p:txBody>
         </p:sp>
-        <mc:AlternateContent xmlns:mc="http://schemas.openxmlformats.org/markup-compatibility/2006" xmlns:a14="http://schemas.microsoft.com/office/drawing/2010/main">
-          <mc:Choice Requires="a14">
+        <mc:AlternateContent xmlns:mc="http://schemas.openxmlformats.org/markup-compatibility/2006">
+          <mc:Choice xmlns:a14="http://schemas.microsoft.com/office/drawing/2010/main" Requires="a14">
             <p:sp>
               <p:nvSpPr>
                 <p:cNvPr id="96" name="矩形 95"/>
@@ -8250,7 +8250,7 @@
                 </a:solidFill>
                 <a:ln>
                   <a:solidFill>
-                    <a:schemeClr val="accent2"/>
+                    <a:schemeClr val="accent1"/>
                   </a:solidFill>
                 </a:ln>
               </p:spPr>
@@ -8291,7 +8291,7 @@
                             <m:ctrlPr>
                               <a:rPr lang="en-US" altLang="zh-TW" sz="1800" i="1" smtClean="0">
                                 <a:solidFill>
-                                  <a:schemeClr val="accent2">
+                                  <a:schemeClr val="accent1">
                                     <a:lumMod val="20000"/>
                                     <a:lumOff val="80000"/>
                                   </a:schemeClr>
@@ -8305,7 +8305,7 @@
                             <m:r>
                               <a:rPr lang="en-US" altLang="zh-TW" sz="1800" i="1">
                                 <a:solidFill>
-                                  <a:schemeClr val="accent2">
+                                  <a:schemeClr val="accent1">
                                     <a:lumMod val="20000"/>
                                     <a:lumOff val="80000"/>
                                   </a:schemeClr>
@@ -8320,7 +8320,7 @@
                             <m:r>
                               <a:rPr lang="en-US" altLang="zh-TW" sz="1800" b="0" i="1" smtClean="0">
                                 <a:solidFill>
-                                  <a:schemeClr val="accent2">
+                                  <a:schemeClr val="accent1">
                                     <a:lumMod val="20000"/>
                                     <a:lumOff val="80000"/>
                                   </a:schemeClr>
@@ -8335,7 +8335,7 @@
                             <m:r>
                               <a:rPr lang="en-US" altLang="zh-TW" sz="1800" i="1">
                                 <a:solidFill>
-                                  <a:schemeClr val="accent2">
+                                  <a:schemeClr val="accent1">
                                     <a:lumMod val="20000"/>
                                     <a:lumOff val="80000"/>
                                   </a:schemeClr>
@@ -8352,7 +8352,7 @@
                   </a14:m>
                   <a:endParaRPr lang="zh-TW" altLang="en-US" sz="1800" baseline="-25000" dirty="0">
                     <a:solidFill>
-                      <a:schemeClr val="accent2">
+                      <a:schemeClr val="accent1">
                         <a:lumMod val="20000"/>
                         <a:lumOff val="80000"/>
                       </a:schemeClr>
@@ -8363,7 +8363,7 @@
               </p:txBody>
             </p:sp>
           </mc:Choice>
-          <mc:Fallback xmlns="">
+          <mc:Fallback>
             <p:sp>
               <p:nvSpPr>
                 <p:cNvPr id="96" name="矩形 95"/>
@@ -8388,7 +8388,7 @@
                 </a:blipFill>
                 <a:ln>
                   <a:solidFill>
-                    <a:schemeClr val="accent2"/>
+                    <a:schemeClr val="accent1"/>
                   </a:solidFill>
                 </a:ln>
               </p:spPr>
@@ -8426,7 +8426,7 @@
             </a:solidFill>
             <a:ln>
               <a:solidFill>
-                <a:schemeClr val="accent2"/>
+                <a:schemeClr val="accent1"/>
               </a:solidFill>
             </a:ln>
           </p:spPr>
@@ -8459,7 +8459,7 @@
               <a:r>
                 <a:rPr lang="en-US" altLang="zh-TW" sz="1800" dirty="0" smtClean="0">
                   <a:solidFill>
-                    <a:schemeClr val="accent2">
+                    <a:schemeClr val="accent1">
                       <a:lumMod val="20000"/>
                       <a:lumOff val="80000"/>
                     </a:schemeClr>
@@ -8470,7 +8470,7 @@
               </a:r>
               <a:endParaRPr lang="zh-TW" altLang="en-US" sz="1800" dirty="0">
                 <a:solidFill>
-                  <a:schemeClr val="accent2">
+                  <a:schemeClr val="accent1">
                     <a:lumMod val="20000"/>
                     <a:lumOff val="80000"/>
                   </a:schemeClr>
@@ -8480,8 +8480,8 @@
             </a:p>
           </p:txBody>
         </p:sp>
-        <mc:AlternateContent xmlns:mc="http://schemas.openxmlformats.org/markup-compatibility/2006" xmlns:a14="http://schemas.microsoft.com/office/drawing/2010/main">
-          <mc:Choice Requires="a14">
+        <mc:AlternateContent xmlns:mc="http://schemas.openxmlformats.org/markup-compatibility/2006">
+          <mc:Choice xmlns:a14="http://schemas.microsoft.com/office/drawing/2010/main" Requires="a14">
             <p:sp>
               <p:nvSpPr>
                 <p:cNvPr id="99" name="矩形 98"/>
@@ -8501,7 +8501,7 @@
                 </a:solidFill>
                 <a:ln>
                   <a:solidFill>
-                    <a:schemeClr val="accent2"/>
+                    <a:schemeClr val="accent1"/>
                   </a:solidFill>
                 </a:ln>
               </p:spPr>
@@ -8542,7 +8542,7 @@
                             <m:ctrlPr>
                               <a:rPr lang="en-US" altLang="zh-TW" sz="1800" i="1" smtClean="0">
                                 <a:solidFill>
-                                  <a:schemeClr val="accent2">
+                                  <a:schemeClr val="accent1">
                                     <a:lumMod val="20000"/>
                                     <a:lumOff val="80000"/>
                                   </a:schemeClr>
@@ -8556,7 +8556,7 @@
                             <m:r>
                               <a:rPr lang="en-US" altLang="zh-TW" sz="1800" i="1">
                                 <a:solidFill>
-                                  <a:schemeClr val="accent2">
+                                  <a:schemeClr val="accent1">
                                     <a:lumMod val="20000"/>
                                     <a:lumOff val="80000"/>
                                   </a:schemeClr>
@@ -8571,7 +8571,7 @@
                             <m:r>
                               <a:rPr lang="en-US" altLang="zh-TW" sz="1800" b="0" i="1" smtClean="0">
                                 <a:solidFill>
-                                  <a:schemeClr val="accent2">
+                                  <a:schemeClr val="accent1">
                                     <a:lumMod val="20000"/>
                                     <a:lumOff val="80000"/>
                                   </a:schemeClr>
@@ -8586,7 +8586,7 @@
                             <m:r>
                               <a:rPr lang="en-US" altLang="zh-TW" sz="1800" i="1">
                                 <a:solidFill>
-                                  <a:schemeClr val="accent2">
+                                  <a:schemeClr val="accent1">
                                     <a:lumMod val="20000"/>
                                     <a:lumOff val="80000"/>
                                   </a:schemeClr>
@@ -8603,7 +8603,7 @@
                   </a14:m>
                   <a:endParaRPr lang="zh-TW" altLang="en-US" sz="1800" baseline="-25000" dirty="0">
                     <a:solidFill>
-                      <a:schemeClr val="accent2">
+                      <a:schemeClr val="accent1">
                         <a:lumMod val="20000"/>
                         <a:lumOff val="80000"/>
                       </a:schemeClr>
@@ -8614,7 +8614,7 @@
               </p:txBody>
             </p:sp>
           </mc:Choice>
-          <mc:Fallback xmlns="">
+          <mc:Fallback>
             <p:sp>
               <p:nvSpPr>
                 <p:cNvPr id="99" name="矩形 98"/>
@@ -8639,7 +8639,7 @@
                 </a:blipFill>
                 <a:ln>
                   <a:solidFill>
-                    <a:schemeClr val="accent2"/>
+                    <a:schemeClr val="accent1"/>
                   </a:solidFill>
                 </a:ln>
               </p:spPr>
@@ -8658,8 +8658,8 @@
             </p:sp>
           </mc:Fallback>
         </mc:AlternateContent>
-        <mc:AlternateContent xmlns:mc="http://schemas.openxmlformats.org/markup-compatibility/2006" xmlns:a14="http://schemas.microsoft.com/office/drawing/2010/main">
-          <mc:Choice Requires="a14">
+        <mc:AlternateContent xmlns:mc="http://schemas.openxmlformats.org/markup-compatibility/2006">
+          <mc:Choice xmlns:a14="http://schemas.microsoft.com/office/drawing/2010/main" Requires="a14">
             <p:sp>
               <p:nvSpPr>
                 <p:cNvPr id="100" name="矩形 99"/>
@@ -8679,7 +8679,7 @@
                 </a:solidFill>
                 <a:ln>
                   <a:solidFill>
-                    <a:schemeClr val="accent2"/>
+                    <a:schemeClr val="accent1"/>
                   </a:solidFill>
                 </a:ln>
               </p:spPr>
@@ -8720,7 +8720,7 @@
                             <m:ctrlPr>
                               <a:rPr lang="en-US" altLang="zh-TW" sz="1800" i="1" smtClean="0">
                                 <a:solidFill>
-                                  <a:schemeClr val="accent2">
+                                  <a:schemeClr val="accent1">
                                     <a:lumMod val="20000"/>
                                     <a:lumOff val="80000"/>
                                   </a:schemeClr>
@@ -8734,7 +8734,7 @@
                             <m:r>
                               <a:rPr lang="en-US" altLang="zh-TW" sz="1800" i="1">
                                 <a:solidFill>
-                                  <a:schemeClr val="accent2">
+                                  <a:schemeClr val="accent1">
                                     <a:lumMod val="20000"/>
                                     <a:lumOff val="80000"/>
                                   </a:schemeClr>
@@ -8749,7 +8749,7 @@
                             <m:r>
                               <a:rPr lang="en-US" altLang="zh-TW" sz="1800" b="0" i="1" smtClean="0">
                                 <a:solidFill>
-                                  <a:schemeClr val="accent2">
+                                  <a:schemeClr val="accent1">
                                     <a:lumMod val="20000"/>
                                     <a:lumOff val="80000"/>
                                   </a:schemeClr>
@@ -8764,7 +8764,7 @@
                             <m:r>
                               <a:rPr lang="en-US" altLang="zh-TW" sz="1800" i="1">
                                 <a:solidFill>
-                                  <a:schemeClr val="accent2">
+                                  <a:schemeClr val="accent1">
                                     <a:lumMod val="20000"/>
                                     <a:lumOff val="80000"/>
                                   </a:schemeClr>
@@ -8781,7 +8781,7 @@
                   </a14:m>
                   <a:endParaRPr lang="zh-TW" altLang="en-US" sz="1800" baseline="-25000" dirty="0">
                     <a:solidFill>
-                      <a:schemeClr val="accent2">
+                      <a:schemeClr val="accent1">
                         <a:lumMod val="20000"/>
                         <a:lumOff val="80000"/>
                       </a:schemeClr>
@@ -8792,7 +8792,7 @@
               </p:txBody>
             </p:sp>
           </mc:Choice>
-          <mc:Fallback xmlns="">
+          <mc:Fallback>
             <p:sp>
               <p:nvSpPr>
                 <p:cNvPr id="100" name="矩形 99"/>
@@ -8817,7 +8817,7 @@
                 </a:blipFill>
                 <a:ln>
                   <a:solidFill>
-                    <a:schemeClr val="accent2"/>
+                    <a:schemeClr val="accent1"/>
                   </a:solidFill>
                 </a:ln>
               </p:spPr>
@@ -8860,7 +8860,7 @@
             <a:gradFill flip="none" rotWithShape="1">
               <a:gsLst>
                 <a:gs pos="100000">
-                  <a:schemeClr val="accent2"/>
+                  <a:schemeClr val="accent1"/>
                 </a:gs>
                 <a:gs pos="0">
                   <a:schemeClr val="accent1">
@@ -8972,7 +8972,7 @@
               <a:avLst/>
             </a:prstGeom>
             <a:solidFill>
-              <a:schemeClr val="accent2"/>
+              <a:schemeClr val="accent1"/>
             </a:solidFill>
             <a:ln>
               <a:noFill/>
@@ -9058,7 +9058,7 @@
               <a:r>
                 <a:rPr lang="en-US" altLang="zh-TW" sz="1800" dirty="0" smtClean="0">
                   <a:solidFill>
-                    <a:schemeClr val="accent2">
+                    <a:schemeClr val="accent1">
                       <a:lumMod val="20000"/>
                       <a:lumOff val="80000"/>
                     </a:schemeClr>
@@ -9069,7 +9069,7 @@
               </a:r>
               <a:endParaRPr lang="zh-TW" altLang="en-US" sz="1800" dirty="0">
                 <a:solidFill>
-                  <a:schemeClr val="accent2">
+                  <a:schemeClr val="accent1">
                     <a:lumMod val="20000"/>
                     <a:lumOff val="80000"/>
                   </a:schemeClr>
@@ -12715,7 +12715,7 @@
             <a:gradFill flip="none" rotWithShape="1">
               <a:gsLst>
                 <a:gs pos="0">
-                  <a:schemeClr val="accent2"/>
+                  <a:schemeClr val="accent1"/>
                 </a:gs>
                 <a:gs pos="100000">
                   <a:srgbClr val="FF0066"/>
@@ -12767,7 +12767,7 @@
             <a:gradFill flip="none" rotWithShape="1">
               <a:gsLst>
                 <a:gs pos="0">
-                  <a:schemeClr val="accent2"/>
+                  <a:schemeClr val="accent1"/>
                 </a:gs>
                 <a:gs pos="100000">
                   <a:srgbClr val="FF0066"/>
@@ -12819,7 +12819,7 @@
             <a:gradFill flip="none" rotWithShape="1">
               <a:gsLst>
                 <a:gs pos="0">
-                  <a:schemeClr val="accent2"/>
+                  <a:schemeClr val="accent1"/>
                 </a:gs>
                 <a:gs pos="100000">
                   <a:srgbClr val="FF0066"/>
@@ -12868,7 +12868,7 @@
             <a:gradFill flip="none" rotWithShape="1">
               <a:gsLst>
                 <a:gs pos="0">
-                  <a:schemeClr val="accent2"/>
+                  <a:schemeClr val="accent1"/>
                 </a:gs>
                 <a:gs pos="100000">
                   <a:srgbClr val="FF0066"/>
@@ -14248,8 +14248,8 @@
         </p:nvCxnSpPr>
         <p:spPr>
           <a:xfrm rot="5400000">
-            <a:off x="17585324" y="13766959"/>
-            <a:ext cx="604025" cy="1518162"/>
+            <a:off x="17603823" y="13799386"/>
+            <a:ext cx="617953" cy="1467237"/>
           </a:xfrm>
           <a:prstGeom prst="bentConnector2">
             <a:avLst/>
@@ -14258,7 +14258,7 @@
             <a:gradFill flip="none" rotWithShape="1">
               <a:gsLst>
                 <a:gs pos="100000">
-                  <a:schemeClr val="accent2"/>
+                  <a:schemeClr val="accent1"/>
                 </a:gs>
                 <a:gs pos="0">
                   <a:schemeClr val="accent1">
@@ -14370,7 +14370,7 @@
               <a:avLst/>
             </a:prstGeom>
             <a:solidFill>
-              <a:schemeClr val="accent2"/>
+              <a:schemeClr val="accent1"/>
             </a:solidFill>
             <a:ln>
               <a:noFill/>
@@ -14456,7 +14456,7 @@
               <a:r>
                 <a:rPr lang="en-US" altLang="zh-TW" sz="1800" dirty="0" smtClean="0">
                   <a:solidFill>
-                    <a:schemeClr val="accent2">
+                    <a:schemeClr val="accent1">
                       <a:lumMod val="20000"/>
                       <a:lumOff val="80000"/>
                     </a:schemeClr>
@@ -14467,7 +14467,7 @@
               </a:r>
               <a:endParaRPr lang="zh-TW" altLang="en-US" sz="1800" dirty="0">
                 <a:solidFill>
-                  <a:schemeClr val="accent2">
+                  <a:schemeClr val="accent1">
                     <a:lumMod val="20000"/>
                     <a:lumOff val="80000"/>
                   </a:schemeClr>
@@ -14757,7 +14757,7 @@
         </p:nvGrpSpPr>
         <p:grpSpPr>
           <a:xfrm>
-            <a:off x="14104636" y="14177105"/>
+            <a:off x="14155561" y="14191033"/>
             <a:ext cx="3023619" cy="1123071"/>
             <a:chOff x="8386539" y="16188678"/>
             <a:chExt cx="3023619" cy="1123071"/>
@@ -14792,7 +14792,7 @@
                 <a:avLst/>
               </a:prstGeom>
               <a:solidFill>
-                <a:schemeClr val="accent2"/>
+                <a:schemeClr val="accent1"/>
               </a:solidFill>
               <a:ln>
                 <a:noFill/>
@@ -14988,7 +14988,7 @@
                 </a:solidFill>
                 <a:ln>
                   <a:solidFill>
-                    <a:schemeClr val="accent2"/>
+                    <a:schemeClr val="accent1"/>
                   </a:solidFill>
                 </a:ln>
               </p:spPr>
@@ -15029,7 +15029,7 @@
                             <m:ctrlPr>
                               <a:rPr lang="en-US" altLang="zh-TW" sz="1800" i="1" smtClean="0">
                                 <a:solidFill>
-                                  <a:schemeClr val="accent2">
+                                  <a:schemeClr val="accent1">
                                     <a:lumMod val="20000"/>
                                     <a:lumOff val="80000"/>
                                   </a:schemeClr>
@@ -15043,7 +15043,7 @@
                             <m:r>
                               <a:rPr lang="en-US" altLang="zh-TW" sz="1800" i="1">
                                 <a:solidFill>
-                                  <a:schemeClr val="accent2">
+                                  <a:schemeClr val="accent1">
                                     <a:lumMod val="20000"/>
                                     <a:lumOff val="80000"/>
                                   </a:schemeClr>
@@ -15058,7 +15058,7 @@
                             <m:r>
                               <a:rPr lang="en-US" altLang="zh-TW" sz="1800" b="0" i="1" smtClean="0">
                                 <a:solidFill>
-                                  <a:schemeClr val="accent2">
+                                  <a:schemeClr val="accent1">
                                     <a:lumMod val="20000"/>
                                     <a:lumOff val="80000"/>
                                   </a:schemeClr>
@@ -15073,7 +15073,7 @@
                             <m:r>
                               <a:rPr lang="en-US" altLang="zh-TW" sz="1800" i="1">
                                 <a:solidFill>
-                                  <a:schemeClr val="accent2">
+                                  <a:schemeClr val="accent1">
                                     <a:lumMod val="20000"/>
                                     <a:lumOff val="80000"/>
                                   </a:schemeClr>
@@ -15090,7 +15090,7 @@
                   </a14:m>
                   <a:endParaRPr lang="zh-TW" altLang="en-US" sz="1800" baseline="-25000" dirty="0">
                     <a:solidFill>
-                      <a:schemeClr val="accent2">
+                      <a:schemeClr val="accent1">
                         <a:lumMod val="20000"/>
                         <a:lumOff val="80000"/>
                       </a:schemeClr>
@@ -15121,12 +15121,12 @@
                 <a:blipFill rotWithShape="0">
                   <a:blip r:embed="rId4"/>
                   <a:stretch>
-                    <a:fillRect l="-2632"/>
+                    <a:fillRect l="-1299"/>
                   </a:stretch>
                 </a:blipFill>
                 <a:ln>
                   <a:solidFill>
-                    <a:schemeClr val="accent2"/>
+                    <a:schemeClr val="accent1"/>
                   </a:solidFill>
                 </a:ln>
               </p:spPr>
@@ -15164,7 +15164,7 @@
             </a:solidFill>
             <a:ln>
               <a:solidFill>
-                <a:schemeClr val="accent2"/>
+                <a:schemeClr val="accent1"/>
               </a:solidFill>
             </a:ln>
           </p:spPr>
@@ -15197,7 +15197,7 @@
               <a:r>
                 <a:rPr lang="en-US" altLang="zh-TW" sz="1800" dirty="0" smtClean="0">
                   <a:solidFill>
-                    <a:schemeClr val="accent2">
+                    <a:schemeClr val="accent1">
                       <a:lumMod val="20000"/>
                       <a:lumOff val="80000"/>
                     </a:schemeClr>
@@ -15208,7 +15208,7 @@
               </a:r>
               <a:endParaRPr lang="zh-TW" altLang="en-US" sz="1800" dirty="0">
                 <a:solidFill>
-                  <a:schemeClr val="accent2">
+                  <a:schemeClr val="accent1">
                     <a:lumMod val="20000"/>
                     <a:lumOff val="80000"/>
                   </a:schemeClr>
@@ -15239,7 +15239,7 @@
                 </a:solidFill>
                 <a:ln>
                   <a:solidFill>
-                    <a:schemeClr val="accent2"/>
+                    <a:schemeClr val="accent1"/>
                   </a:solidFill>
                 </a:ln>
               </p:spPr>
@@ -15280,7 +15280,7 @@
                             <m:ctrlPr>
                               <a:rPr lang="en-US" altLang="zh-TW" sz="1800" i="1" smtClean="0">
                                 <a:solidFill>
-                                  <a:schemeClr val="accent2">
+                                  <a:schemeClr val="accent1">
                                     <a:lumMod val="20000"/>
                                     <a:lumOff val="80000"/>
                                   </a:schemeClr>
@@ -15294,7 +15294,7 @@
                             <m:r>
                               <a:rPr lang="en-US" altLang="zh-TW" sz="1800" i="1">
                                 <a:solidFill>
-                                  <a:schemeClr val="accent2">
+                                  <a:schemeClr val="accent1">
                                     <a:lumMod val="20000"/>
                                     <a:lumOff val="80000"/>
                                   </a:schemeClr>
@@ -15309,7 +15309,7 @@
                             <m:r>
                               <a:rPr lang="en-US" altLang="zh-TW" sz="1800" b="0" i="1" smtClean="0">
                                 <a:solidFill>
-                                  <a:schemeClr val="accent2">
+                                  <a:schemeClr val="accent1">
                                     <a:lumMod val="20000"/>
                                     <a:lumOff val="80000"/>
                                   </a:schemeClr>
@@ -15324,7 +15324,7 @@
                             <m:r>
                               <a:rPr lang="en-US" altLang="zh-TW" sz="1800" i="1">
                                 <a:solidFill>
-                                  <a:schemeClr val="accent2">
+                                  <a:schemeClr val="accent1">
                                     <a:lumMod val="20000"/>
                                     <a:lumOff val="80000"/>
                                   </a:schemeClr>
@@ -15341,7 +15341,7 @@
                   </a14:m>
                   <a:endParaRPr lang="zh-TW" altLang="en-US" sz="1800" baseline="-25000" dirty="0">
                     <a:solidFill>
-                      <a:schemeClr val="accent2">
+                      <a:schemeClr val="accent1">
                         <a:lumMod val="20000"/>
                         <a:lumOff val="80000"/>
                       </a:schemeClr>
@@ -15372,12 +15372,12 @@
                 <a:blipFill rotWithShape="0">
                   <a:blip r:embed="rId5"/>
                   <a:stretch>
-                    <a:fillRect l="-3896"/>
+                    <a:fillRect l="-2597"/>
                   </a:stretch>
                 </a:blipFill>
                 <a:ln>
                   <a:solidFill>
-                    <a:schemeClr val="accent2"/>
+                    <a:schemeClr val="accent1"/>
                   </a:solidFill>
                 </a:ln>
               </p:spPr>
@@ -15417,7 +15417,7 @@
                 </a:solidFill>
                 <a:ln>
                   <a:solidFill>
-                    <a:schemeClr val="accent2"/>
+                    <a:schemeClr val="accent1"/>
                   </a:solidFill>
                 </a:ln>
               </p:spPr>
@@ -15458,7 +15458,7 @@
                             <m:ctrlPr>
                               <a:rPr lang="en-US" altLang="zh-TW" sz="1800" i="1" smtClean="0">
                                 <a:solidFill>
-                                  <a:schemeClr val="accent2">
+                                  <a:schemeClr val="accent1">
                                     <a:lumMod val="20000"/>
                                     <a:lumOff val="80000"/>
                                   </a:schemeClr>
@@ -15472,7 +15472,7 @@
                             <m:r>
                               <a:rPr lang="en-US" altLang="zh-TW" sz="1800" i="1">
                                 <a:solidFill>
-                                  <a:schemeClr val="accent2">
+                                  <a:schemeClr val="accent1">
                                     <a:lumMod val="20000"/>
                                     <a:lumOff val="80000"/>
                                   </a:schemeClr>
@@ -15487,7 +15487,7 @@
                             <m:r>
                               <a:rPr lang="en-US" altLang="zh-TW" sz="1800" b="0" i="1" smtClean="0">
                                 <a:solidFill>
-                                  <a:schemeClr val="accent2">
+                                  <a:schemeClr val="accent1">
                                     <a:lumMod val="20000"/>
                                     <a:lumOff val="80000"/>
                                   </a:schemeClr>
@@ -15502,7 +15502,7 @@
                             <m:r>
                               <a:rPr lang="en-US" altLang="zh-TW" sz="1800" i="1">
                                 <a:solidFill>
-                                  <a:schemeClr val="accent2">
+                                  <a:schemeClr val="accent1">
                                     <a:lumMod val="20000"/>
                                     <a:lumOff val="80000"/>
                                   </a:schemeClr>
@@ -15519,7 +15519,7 @@
                   </a14:m>
                   <a:endParaRPr lang="zh-TW" altLang="en-US" sz="1800" baseline="-25000" dirty="0">
                     <a:solidFill>
-                      <a:schemeClr val="accent2">
+                      <a:schemeClr val="accent1">
                         <a:lumMod val="20000"/>
                         <a:lumOff val="80000"/>
                       </a:schemeClr>
@@ -15555,7 +15555,7 @@
                 </a:blipFill>
                 <a:ln>
                   <a:solidFill>
-                    <a:schemeClr val="accent2"/>
+                    <a:schemeClr val="accent1"/>
                   </a:solidFill>
                 </a:ln>
               </p:spPr>
@@ -15585,6 +15585,13 @@
   <p:clrMapOvr>
     <a:masterClrMapping/>
   </p:clrMapOvr>
+  <p:timing>
+    <p:tnLst>
+      <p:par>
+        <p:cTn id="1" dur="indefinite" restart="never" nodeType="tmRoot"/>
+      </p:par>
+    </p:tnLst>
+  </p:timing>
 </p:sld>
 </file>
 
@@ -17474,6 +17481,13 @@
   <p:clrMapOvr>
     <a:masterClrMapping/>
   </p:clrMapOvr>
+  <p:timing>
+    <p:tnLst>
+      <p:par>
+        <p:cTn id="1" dur="indefinite" restart="never" nodeType="tmRoot"/>
+      </p:par>
+    </p:tnLst>
+  </p:timing>
 </p:sld>
 </file>
 
@@ -17502,39 +17516,83 @@
           <a:chExt cx="0" cy="0"/>
         </a:xfrm>
       </p:grpSpPr>
+      <p:sp>
+        <p:nvSpPr>
+          <p:cNvPr id="19" name="平行四邊形 18"/>
+          <p:cNvSpPr/>
+          <p:nvPr/>
+        </p:nvSpPr>
+        <p:spPr>
+          <a:xfrm>
+            <a:off x="3667760" y="9560820"/>
+            <a:ext cx="1526344" cy="1081848"/>
+          </a:xfrm>
+          <a:prstGeom prst="parallelogram">
+            <a:avLst/>
+          </a:prstGeom>
+          <a:ln w="19050">
+            <a:solidFill>
+              <a:schemeClr val="accent4"/>
+            </a:solidFill>
+          </a:ln>
+        </p:spPr>
+        <p:style>
+          <a:lnRef idx="2">
+            <a:schemeClr val="accent1">
+              <a:shade val="50000"/>
+            </a:schemeClr>
+          </a:lnRef>
+          <a:fillRef idx="1">
+            <a:schemeClr val="accent1"/>
+          </a:fillRef>
+          <a:effectRef idx="0">
+            <a:schemeClr val="accent1"/>
+          </a:effectRef>
+          <a:fontRef idx="minor">
+            <a:schemeClr val="lt1"/>
+          </a:fontRef>
+        </p:style>
+        <p:txBody>
+          <a:bodyPr rtlCol="0" anchor="ctr"/>
+          <a:lstStyle/>
+          <a:p>
+            <a:pPr algn="ctr"/>
+            <a:endParaRPr lang="zh-TW" altLang="en-US"/>
+          </a:p>
+        </p:txBody>
+      </p:sp>
       <p:grpSp>
         <p:nvGrpSpPr>
-          <p:cNvPr id="130" name="群組 129"/>
+          <p:cNvPr id="6" name="群組 5"/>
           <p:cNvGrpSpPr/>
           <p:nvPr/>
         </p:nvGrpSpPr>
         <p:grpSpPr>
           <a:xfrm>
-            <a:off x="6944374" y="7281848"/>
-            <a:ext cx="5392405" cy="2387931"/>
-            <a:chOff x="4222767" y="13258800"/>
-            <a:chExt cx="3023618" cy="608976"/>
+            <a:off x="5975359" y="6357823"/>
+            <a:ext cx="958234" cy="822895"/>
+            <a:chOff x="5745866" y="3677985"/>
+            <a:chExt cx="958234" cy="822895"/>
           </a:xfrm>
         </p:grpSpPr>
         <p:sp>
           <p:nvSpPr>
-            <p:cNvPr id="131" name="圓角矩形 130"/>
+            <p:cNvPr id="5" name="立方體 4"/>
             <p:cNvSpPr/>
             <p:nvPr/>
           </p:nvSpPr>
           <p:spPr>
             <a:xfrm>
-              <a:off x="4222769" y="13258800"/>
-              <a:ext cx="3023616" cy="608976"/>
+              <a:off x="5745867" y="4226560"/>
+              <a:ext cx="309493" cy="274320"/>
             </a:xfrm>
-            <a:prstGeom prst="roundRect">
+            <a:prstGeom prst="cube">
               <a:avLst/>
             </a:prstGeom>
-            <a:solidFill>
-              <a:srgbClr val="B482DA"/>
-            </a:solidFill>
-            <a:ln>
-              <a:noFill/>
+            <a:ln w="19050">
+              <a:solidFill>
+                <a:srgbClr val="7030A0"/>
+              </a:solidFill>
             </a:ln>
           </p:spPr>
           <p:style>
@@ -17554,38 +17612,32 @@
             </a:fontRef>
           </p:style>
           <p:txBody>
-            <a:bodyPr rot="0" spcFirstLastPara="0" vertOverflow="overflow" horzOverflow="overflow" vert="horz" wrap="square" lIns="91440" tIns="45720" rIns="91440" bIns="45720" numCol="1" spcCol="0" rtlCol="0" fromWordArt="0" anchor="ctr" anchorCtr="0" forceAA="0" compatLnSpc="1">
-              <a:prstTxWarp prst="textNoShape">
-                <a:avLst/>
-              </a:prstTxWarp>
-              <a:noAutofit/>
-            </a:bodyPr>
+            <a:bodyPr rtlCol="0" anchor="ctr"/>
             <a:lstStyle/>
             <a:p>
               <a:pPr algn="ctr"/>
-              <a:endParaRPr lang="zh-TW" altLang="en-US" sz="1800"/>
+              <a:endParaRPr lang="zh-TW" altLang="en-US"/>
             </a:p>
           </p:txBody>
         </p:sp>
         <p:sp>
           <p:nvSpPr>
-            <p:cNvPr id="132" name="矩形 131"/>
+            <p:cNvPr id="33" name="立方體 32"/>
             <p:cNvSpPr/>
             <p:nvPr/>
           </p:nvSpPr>
           <p:spPr>
             <a:xfrm>
-              <a:off x="4222767" y="13360628"/>
-              <a:ext cx="3023618" cy="405319"/>
+              <a:off x="5745866" y="3952240"/>
+              <a:ext cx="309493" cy="274320"/>
             </a:xfrm>
-            <a:prstGeom prst="rect">
+            <a:prstGeom prst="cube">
               <a:avLst/>
             </a:prstGeom>
-            <a:solidFill>
-              <a:srgbClr val="282828"/>
-            </a:solidFill>
-            <a:ln>
-              <a:noFill/>
+            <a:ln w="19050">
+              <a:solidFill>
+                <a:srgbClr val="7030A0"/>
+              </a:solidFill>
             </a:ln>
           </p:spPr>
           <p:style>
@@ -17605,25 +17657,4067 @@
             </a:fontRef>
           </p:style>
           <p:txBody>
-            <a:bodyPr rot="0" spcFirstLastPara="0" vertOverflow="overflow" horzOverflow="overflow" vert="horz" wrap="square" lIns="91440" tIns="45720" rIns="91440" bIns="45720" numCol="1" spcCol="0" rtlCol="0" fromWordArt="0" anchor="ctr" anchorCtr="0" forceAA="0" compatLnSpc="1">
-              <a:prstTxWarp prst="textNoShape">
-                <a:avLst/>
-              </a:prstTxWarp>
-              <a:noAutofit/>
-            </a:bodyPr>
+            <a:bodyPr rtlCol="0" anchor="ctr"/>
             <a:lstStyle/>
             <a:p>
               <a:pPr algn="ctr"/>
-              <a:endParaRPr lang="zh-TW" altLang="en-US" sz="1800" dirty="0">
-                <a:solidFill>
-                  <a:srgbClr val="EADBF5"/>
-                </a:solidFill>
-                <a:latin typeface="Source Code Pro" panose="020B0509030403020204" pitchFamily="49" charset="0"/>
-              </a:endParaRPr>
+              <a:endParaRPr lang="zh-TW" altLang="en-US"/>
+            </a:p>
+          </p:txBody>
+        </p:sp>
+        <p:sp>
+          <p:nvSpPr>
+            <p:cNvPr id="34" name="立方體 33"/>
+            <p:cNvSpPr/>
+            <p:nvPr/>
+          </p:nvSpPr>
+          <p:spPr>
+            <a:xfrm>
+              <a:off x="5753873" y="3677985"/>
+              <a:ext cx="309493" cy="274320"/>
+            </a:xfrm>
+            <a:prstGeom prst="cube">
+              <a:avLst/>
+            </a:prstGeom>
+            <a:ln w="19050">
+              <a:solidFill>
+                <a:srgbClr val="7030A0"/>
+              </a:solidFill>
+            </a:ln>
+          </p:spPr>
+          <p:style>
+            <a:lnRef idx="2">
+              <a:schemeClr val="accent1">
+                <a:shade val="50000"/>
+              </a:schemeClr>
+            </a:lnRef>
+            <a:fillRef idx="1">
+              <a:schemeClr val="accent1"/>
+            </a:fillRef>
+            <a:effectRef idx="0">
+              <a:schemeClr val="accent1"/>
+            </a:effectRef>
+            <a:fontRef idx="minor">
+              <a:schemeClr val="lt1"/>
+            </a:fontRef>
+          </p:style>
+          <p:txBody>
+            <a:bodyPr rtlCol="0" anchor="ctr"/>
+            <a:lstStyle/>
+            <a:p>
+              <a:pPr algn="ctr"/>
+              <a:endParaRPr lang="zh-TW" altLang="en-US"/>
+            </a:p>
+          </p:txBody>
+        </p:sp>
+        <p:sp>
+          <p:nvSpPr>
+            <p:cNvPr id="35" name="立方體 34"/>
+            <p:cNvSpPr/>
+            <p:nvPr/>
+          </p:nvSpPr>
+          <p:spPr>
+            <a:xfrm>
+              <a:off x="6069101" y="4226560"/>
+              <a:ext cx="309493" cy="274320"/>
+            </a:xfrm>
+            <a:prstGeom prst="cube">
+              <a:avLst/>
+            </a:prstGeom>
+            <a:ln w="19050">
+              <a:solidFill>
+                <a:srgbClr val="7030A0"/>
+              </a:solidFill>
+            </a:ln>
+          </p:spPr>
+          <p:style>
+            <a:lnRef idx="2">
+              <a:schemeClr val="accent1">
+                <a:shade val="50000"/>
+              </a:schemeClr>
+            </a:lnRef>
+            <a:fillRef idx="1">
+              <a:schemeClr val="accent1"/>
+            </a:fillRef>
+            <a:effectRef idx="0">
+              <a:schemeClr val="accent1"/>
+            </a:effectRef>
+            <a:fontRef idx="minor">
+              <a:schemeClr val="lt1"/>
+            </a:fontRef>
+          </p:style>
+          <p:txBody>
+            <a:bodyPr rtlCol="0" anchor="ctr"/>
+            <a:lstStyle/>
+            <a:p>
+              <a:pPr algn="ctr"/>
+              <a:endParaRPr lang="zh-TW" altLang="en-US"/>
+            </a:p>
+          </p:txBody>
+        </p:sp>
+        <p:sp>
+          <p:nvSpPr>
+            <p:cNvPr id="36" name="立方體 35"/>
+            <p:cNvSpPr/>
+            <p:nvPr/>
+          </p:nvSpPr>
+          <p:spPr>
+            <a:xfrm>
+              <a:off x="6069100" y="3952240"/>
+              <a:ext cx="309493" cy="274320"/>
+            </a:xfrm>
+            <a:prstGeom prst="cube">
+              <a:avLst/>
+            </a:prstGeom>
+            <a:ln w="19050">
+              <a:solidFill>
+                <a:srgbClr val="7030A0"/>
+              </a:solidFill>
+            </a:ln>
+          </p:spPr>
+          <p:style>
+            <a:lnRef idx="2">
+              <a:schemeClr val="accent1">
+                <a:shade val="50000"/>
+              </a:schemeClr>
+            </a:lnRef>
+            <a:fillRef idx="1">
+              <a:schemeClr val="accent1"/>
+            </a:fillRef>
+            <a:effectRef idx="0">
+              <a:schemeClr val="accent1"/>
+            </a:effectRef>
+            <a:fontRef idx="minor">
+              <a:schemeClr val="lt1"/>
+            </a:fontRef>
+          </p:style>
+          <p:txBody>
+            <a:bodyPr rtlCol="0" anchor="ctr"/>
+            <a:lstStyle/>
+            <a:p>
+              <a:pPr algn="ctr"/>
+              <a:endParaRPr lang="zh-TW" altLang="en-US"/>
+            </a:p>
+          </p:txBody>
+        </p:sp>
+        <p:sp>
+          <p:nvSpPr>
+            <p:cNvPr id="37" name="立方體 36"/>
+            <p:cNvSpPr/>
+            <p:nvPr/>
+          </p:nvSpPr>
+          <p:spPr>
+            <a:xfrm>
+              <a:off x="6077107" y="3677985"/>
+              <a:ext cx="309493" cy="274320"/>
+            </a:xfrm>
+            <a:prstGeom prst="cube">
+              <a:avLst/>
+            </a:prstGeom>
+            <a:ln w="19050">
+              <a:solidFill>
+                <a:srgbClr val="7030A0"/>
+              </a:solidFill>
+            </a:ln>
+          </p:spPr>
+          <p:style>
+            <a:lnRef idx="2">
+              <a:schemeClr val="accent1">
+                <a:shade val="50000"/>
+              </a:schemeClr>
+            </a:lnRef>
+            <a:fillRef idx="1">
+              <a:schemeClr val="accent1"/>
+            </a:fillRef>
+            <a:effectRef idx="0">
+              <a:schemeClr val="accent1"/>
+            </a:effectRef>
+            <a:fontRef idx="minor">
+              <a:schemeClr val="lt1"/>
+            </a:fontRef>
+          </p:style>
+          <p:txBody>
+            <a:bodyPr rtlCol="0" anchor="ctr"/>
+            <a:lstStyle/>
+            <a:p>
+              <a:pPr algn="ctr"/>
+              <a:endParaRPr lang="zh-TW" altLang="en-US"/>
+            </a:p>
+          </p:txBody>
+        </p:sp>
+        <p:sp>
+          <p:nvSpPr>
+            <p:cNvPr id="38" name="立方體 37"/>
+            <p:cNvSpPr/>
+            <p:nvPr/>
+          </p:nvSpPr>
+          <p:spPr>
+            <a:xfrm>
+              <a:off x="6386601" y="4226560"/>
+              <a:ext cx="309493" cy="274320"/>
+            </a:xfrm>
+            <a:prstGeom prst="cube">
+              <a:avLst/>
+            </a:prstGeom>
+            <a:ln w="19050">
+              <a:solidFill>
+                <a:srgbClr val="7030A0"/>
+              </a:solidFill>
+            </a:ln>
+          </p:spPr>
+          <p:style>
+            <a:lnRef idx="2">
+              <a:schemeClr val="accent1">
+                <a:shade val="50000"/>
+              </a:schemeClr>
+            </a:lnRef>
+            <a:fillRef idx="1">
+              <a:schemeClr val="accent1"/>
+            </a:fillRef>
+            <a:effectRef idx="0">
+              <a:schemeClr val="accent1"/>
+            </a:effectRef>
+            <a:fontRef idx="minor">
+              <a:schemeClr val="lt1"/>
+            </a:fontRef>
+          </p:style>
+          <p:txBody>
+            <a:bodyPr rtlCol="0" anchor="ctr"/>
+            <a:lstStyle/>
+            <a:p>
+              <a:pPr algn="ctr"/>
+              <a:endParaRPr lang="zh-TW" altLang="en-US"/>
+            </a:p>
+          </p:txBody>
+        </p:sp>
+        <p:sp>
+          <p:nvSpPr>
+            <p:cNvPr id="39" name="立方體 38"/>
+            <p:cNvSpPr/>
+            <p:nvPr/>
+          </p:nvSpPr>
+          <p:spPr>
+            <a:xfrm>
+              <a:off x="6386600" y="3952240"/>
+              <a:ext cx="309493" cy="274320"/>
+            </a:xfrm>
+            <a:prstGeom prst="cube">
+              <a:avLst/>
+            </a:prstGeom>
+            <a:ln w="19050">
+              <a:solidFill>
+                <a:srgbClr val="7030A0"/>
+              </a:solidFill>
+            </a:ln>
+          </p:spPr>
+          <p:style>
+            <a:lnRef idx="2">
+              <a:schemeClr val="accent1">
+                <a:shade val="50000"/>
+              </a:schemeClr>
+            </a:lnRef>
+            <a:fillRef idx="1">
+              <a:schemeClr val="accent1"/>
+            </a:fillRef>
+            <a:effectRef idx="0">
+              <a:schemeClr val="accent1"/>
+            </a:effectRef>
+            <a:fontRef idx="minor">
+              <a:schemeClr val="lt1"/>
+            </a:fontRef>
+          </p:style>
+          <p:txBody>
+            <a:bodyPr rtlCol="0" anchor="ctr"/>
+            <a:lstStyle/>
+            <a:p>
+              <a:pPr algn="ctr"/>
+              <a:endParaRPr lang="zh-TW" altLang="en-US"/>
+            </a:p>
+          </p:txBody>
+        </p:sp>
+        <p:sp>
+          <p:nvSpPr>
+            <p:cNvPr id="40" name="立方體 39"/>
+            <p:cNvSpPr/>
+            <p:nvPr/>
+          </p:nvSpPr>
+          <p:spPr>
+            <a:xfrm>
+              <a:off x="6394607" y="3677985"/>
+              <a:ext cx="309493" cy="274320"/>
+            </a:xfrm>
+            <a:prstGeom prst="cube">
+              <a:avLst/>
+            </a:prstGeom>
+            <a:ln w="19050">
+              <a:solidFill>
+                <a:srgbClr val="7030A0"/>
+              </a:solidFill>
+            </a:ln>
+          </p:spPr>
+          <p:style>
+            <a:lnRef idx="2">
+              <a:schemeClr val="accent1">
+                <a:shade val="50000"/>
+              </a:schemeClr>
+            </a:lnRef>
+            <a:fillRef idx="1">
+              <a:schemeClr val="accent1"/>
+            </a:fillRef>
+            <a:effectRef idx="0">
+              <a:schemeClr val="accent1"/>
+            </a:effectRef>
+            <a:fontRef idx="minor">
+              <a:schemeClr val="lt1"/>
+            </a:fontRef>
+          </p:style>
+          <p:txBody>
+            <a:bodyPr rtlCol="0" anchor="ctr"/>
+            <a:lstStyle/>
+            <a:p>
+              <a:pPr algn="ctr"/>
+              <a:endParaRPr lang="zh-TW" altLang="en-US"/>
             </a:p>
           </p:txBody>
         </p:sp>
       </p:grpSp>
+      <p:sp>
+        <p:nvSpPr>
+          <p:cNvPr id="41" name="立方體 40"/>
+          <p:cNvSpPr/>
+          <p:nvPr/>
+        </p:nvSpPr>
+        <p:spPr>
+          <a:xfrm>
+            <a:off x="5986801" y="7802943"/>
+            <a:ext cx="935350" cy="822895"/>
+          </a:xfrm>
+          <a:prstGeom prst="cube">
+            <a:avLst>
+              <a:gd name="adj" fmla="val 8702"/>
+            </a:avLst>
+          </a:prstGeom>
+          <a:ln w="19050">
+            <a:solidFill>
+              <a:srgbClr val="7030A0"/>
+            </a:solidFill>
+          </a:ln>
+        </p:spPr>
+        <p:style>
+          <a:lnRef idx="2">
+            <a:schemeClr val="accent1">
+              <a:shade val="50000"/>
+            </a:schemeClr>
+          </a:lnRef>
+          <a:fillRef idx="1">
+            <a:schemeClr val="accent1"/>
+          </a:fillRef>
+          <a:effectRef idx="0">
+            <a:schemeClr val="accent1"/>
+          </a:effectRef>
+          <a:fontRef idx="minor">
+            <a:schemeClr val="lt1"/>
+          </a:fontRef>
+        </p:style>
+        <p:txBody>
+          <a:bodyPr rtlCol="0" anchor="ctr"/>
+          <a:lstStyle/>
+          <a:p>
+            <a:pPr algn="ctr"/>
+            <a:endParaRPr lang="zh-TW" altLang="en-US"/>
+          </a:p>
+        </p:txBody>
+      </p:sp>
+      <p:sp>
+        <p:nvSpPr>
+          <p:cNvPr id="42" name="立方體 41"/>
+          <p:cNvSpPr/>
+          <p:nvPr/>
+        </p:nvSpPr>
+        <p:spPr>
+          <a:xfrm>
+            <a:off x="5822005" y="9524474"/>
+            <a:ext cx="1248929" cy="1098773"/>
+          </a:xfrm>
+          <a:prstGeom prst="cube">
+            <a:avLst>
+              <a:gd name="adj" fmla="val 5928"/>
+            </a:avLst>
+          </a:prstGeom>
+          <a:ln w="19050">
+            <a:solidFill>
+              <a:schemeClr val="accent2"/>
+            </a:solidFill>
+          </a:ln>
+        </p:spPr>
+        <p:style>
+          <a:lnRef idx="2">
+            <a:schemeClr val="accent1">
+              <a:shade val="50000"/>
+            </a:schemeClr>
+          </a:lnRef>
+          <a:fillRef idx="1">
+            <a:schemeClr val="accent1"/>
+          </a:fillRef>
+          <a:effectRef idx="0">
+            <a:schemeClr val="accent1"/>
+          </a:effectRef>
+          <a:fontRef idx="minor">
+            <a:schemeClr val="lt1"/>
+          </a:fontRef>
+        </p:style>
+        <p:txBody>
+          <a:bodyPr rtlCol="0" anchor="ctr"/>
+          <a:lstStyle/>
+          <a:p>
+            <a:pPr algn="ctr"/>
+            <a:endParaRPr lang="zh-TW" altLang="en-US"/>
+          </a:p>
+        </p:txBody>
+      </p:sp>
+      <p:sp>
+        <p:nvSpPr>
+          <p:cNvPr id="43" name="立方體 42"/>
+          <p:cNvSpPr/>
+          <p:nvPr/>
+        </p:nvSpPr>
+        <p:spPr>
+          <a:xfrm>
+            <a:off x="7794474" y="6219885"/>
+            <a:ext cx="1248929" cy="1098773"/>
+          </a:xfrm>
+          <a:prstGeom prst="cube">
+            <a:avLst>
+              <a:gd name="adj" fmla="val 5928"/>
+            </a:avLst>
+          </a:prstGeom>
+          <a:ln w="19050">
+            <a:solidFill>
+              <a:srgbClr val="7030A0"/>
+            </a:solidFill>
+          </a:ln>
+        </p:spPr>
+        <p:style>
+          <a:lnRef idx="2">
+            <a:schemeClr val="accent1">
+              <a:shade val="50000"/>
+            </a:schemeClr>
+          </a:lnRef>
+          <a:fillRef idx="1">
+            <a:schemeClr val="accent1"/>
+          </a:fillRef>
+          <a:effectRef idx="0">
+            <a:schemeClr val="accent1"/>
+          </a:effectRef>
+          <a:fontRef idx="minor">
+            <a:schemeClr val="lt1"/>
+          </a:fontRef>
+        </p:style>
+        <p:txBody>
+          <a:bodyPr rtlCol="0" anchor="ctr"/>
+          <a:lstStyle/>
+          <a:p>
+            <a:pPr algn="ctr"/>
+            <a:endParaRPr lang="zh-TW" altLang="en-US"/>
+          </a:p>
+        </p:txBody>
+      </p:sp>
+      <p:cxnSp>
+        <p:nvCxnSpPr>
+          <p:cNvPr id="44" name="直線單箭頭接點 43"/>
+          <p:cNvCxnSpPr>
+            <a:stCxn id="41" idx="1"/>
+            <a:endCxn id="35" idx="3"/>
+          </p:cNvCxnSpPr>
+          <p:nvPr/>
+        </p:nvCxnSpPr>
+        <p:spPr>
+          <a:xfrm flipV="1">
+            <a:off x="6418672" y="7180718"/>
+            <a:ext cx="379" cy="693833"/>
+          </a:xfrm>
+          <a:prstGeom prst="straightConnector1">
+            <a:avLst/>
+          </a:prstGeom>
+          <a:ln w="57150">
+            <a:gradFill>
+              <a:gsLst>
+                <a:gs pos="0">
+                  <a:srgbClr val="7030A0"/>
+                </a:gs>
+                <a:gs pos="25000">
+                  <a:srgbClr val="B482DA"/>
+                </a:gs>
+                <a:gs pos="63000">
+                  <a:srgbClr val="B482DA"/>
+                </a:gs>
+                <a:gs pos="85000">
+                  <a:srgbClr val="7030A0"/>
+                </a:gs>
+              </a:gsLst>
+              <a:lin ang="5400000" scaled="1"/>
+            </a:gradFill>
+            <a:tailEnd type="triangle"/>
+          </a:ln>
+        </p:spPr>
+        <p:style>
+          <a:lnRef idx="1">
+            <a:schemeClr val="accent1"/>
+          </a:lnRef>
+          <a:fillRef idx="0">
+            <a:schemeClr val="accent1"/>
+          </a:fillRef>
+          <a:effectRef idx="0">
+            <a:schemeClr val="accent1"/>
+          </a:effectRef>
+          <a:fontRef idx="minor">
+            <a:schemeClr val="tx1"/>
+          </a:fontRef>
+        </p:style>
+      </p:cxnSp>
+      <p:cxnSp>
+        <p:nvCxnSpPr>
+          <p:cNvPr id="51" name="直線單箭頭接點 50"/>
+          <p:cNvCxnSpPr>
+            <a:stCxn id="39" idx="4"/>
+            <a:endCxn id="43" idx="2"/>
+          </p:cNvCxnSpPr>
+          <p:nvPr/>
+        </p:nvCxnSpPr>
+        <p:spPr>
+          <a:xfrm flipV="1">
+            <a:off x="6857006" y="6801839"/>
+            <a:ext cx="937468" cy="1689"/>
+          </a:xfrm>
+          <a:prstGeom prst="straightConnector1">
+            <a:avLst/>
+          </a:prstGeom>
+          <a:ln w="57150">
+            <a:solidFill>
+              <a:srgbClr val="8BC167"/>
+            </a:solidFill>
+            <a:tailEnd type="triangle"/>
+          </a:ln>
+        </p:spPr>
+        <p:style>
+          <a:lnRef idx="1">
+            <a:schemeClr val="accent1"/>
+          </a:lnRef>
+          <a:fillRef idx="0">
+            <a:schemeClr val="accent1"/>
+          </a:fillRef>
+          <a:effectRef idx="0">
+            <a:schemeClr val="accent1"/>
+          </a:effectRef>
+          <a:fontRef idx="minor">
+            <a:schemeClr val="tx1"/>
+          </a:fontRef>
+        </p:style>
+      </p:cxnSp>
+      <p:cxnSp>
+        <p:nvCxnSpPr>
+          <p:cNvPr id="55" name="直線單箭頭接點 54"/>
+          <p:cNvCxnSpPr>
+            <a:stCxn id="42" idx="1"/>
+            <a:endCxn id="41" idx="3"/>
+          </p:cNvCxnSpPr>
+          <p:nvPr/>
+        </p:nvCxnSpPr>
+        <p:spPr>
+          <a:xfrm flipV="1">
+            <a:off x="6413902" y="8625838"/>
+            <a:ext cx="4770" cy="963771"/>
+          </a:xfrm>
+          <a:prstGeom prst="straightConnector1">
+            <a:avLst/>
+          </a:prstGeom>
+          <a:ln w="57150">
+            <a:gradFill>
+              <a:gsLst>
+                <a:gs pos="0">
+                  <a:schemeClr val="accent2"/>
+                </a:gs>
+                <a:gs pos="28000">
+                  <a:srgbClr val="21C5FF"/>
+                </a:gs>
+                <a:gs pos="61000">
+                  <a:srgbClr val="21C5FF"/>
+                </a:gs>
+                <a:gs pos="83000">
+                  <a:srgbClr val="7030A0"/>
+                </a:gs>
+              </a:gsLst>
+              <a:lin ang="5400000" scaled="1"/>
+            </a:gradFill>
+            <a:tailEnd type="triangle"/>
+          </a:ln>
+        </p:spPr>
+        <p:style>
+          <a:lnRef idx="1">
+            <a:schemeClr val="accent1"/>
+          </a:lnRef>
+          <a:fillRef idx="0">
+            <a:schemeClr val="accent1"/>
+          </a:fillRef>
+          <a:effectRef idx="0">
+            <a:schemeClr val="accent1"/>
+          </a:effectRef>
+          <a:fontRef idx="minor">
+            <a:schemeClr val="tx1"/>
+          </a:fontRef>
+        </p:style>
+      </p:cxnSp>
+      <p:cxnSp>
+        <p:nvCxnSpPr>
+          <p:cNvPr id="59" name="直線單箭頭接點 58"/>
+          <p:cNvCxnSpPr>
+            <a:stCxn id="42" idx="4"/>
+            <a:endCxn id="46" idx="2"/>
+          </p:cNvCxnSpPr>
+          <p:nvPr/>
+        </p:nvCxnSpPr>
+        <p:spPr>
+          <a:xfrm>
+            <a:off x="7005799" y="10106428"/>
+            <a:ext cx="787970" cy="0"/>
+          </a:xfrm>
+          <a:prstGeom prst="straightConnector1">
+            <a:avLst/>
+          </a:prstGeom>
+          <a:ln w="57150">
+            <a:solidFill>
+              <a:srgbClr val="FF0066"/>
+            </a:solidFill>
+            <a:tailEnd type="triangle"/>
+          </a:ln>
+        </p:spPr>
+        <p:style>
+          <a:lnRef idx="1">
+            <a:schemeClr val="accent1"/>
+          </a:lnRef>
+          <a:fillRef idx="0">
+            <a:schemeClr val="accent1"/>
+          </a:fillRef>
+          <a:effectRef idx="0">
+            <a:schemeClr val="accent1"/>
+          </a:effectRef>
+          <a:fontRef idx="minor">
+            <a:schemeClr val="tx1"/>
+          </a:fontRef>
+        </p:style>
+      </p:cxnSp>
+      <p:grpSp>
+        <p:nvGrpSpPr>
+          <p:cNvPr id="68" name="群組 67"/>
+          <p:cNvGrpSpPr/>
+          <p:nvPr/>
+        </p:nvGrpSpPr>
+        <p:grpSpPr>
+          <a:xfrm>
+            <a:off x="9945192" y="9670049"/>
+            <a:ext cx="1267727" cy="1107688"/>
+            <a:chOff x="9606008" y="7191626"/>
+            <a:chExt cx="1267727" cy="1107688"/>
+          </a:xfrm>
+        </p:grpSpPr>
+        <p:sp>
+          <p:nvSpPr>
+            <p:cNvPr id="73" name="立方體 72"/>
+            <p:cNvSpPr/>
+            <p:nvPr/>
+          </p:nvSpPr>
+          <p:spPr>
+            <a:xfrm>
+              <a:off x="9606009" y="7740266"/>
+              <a:ext cx="309493" cy="274320"/>
+            </a:xfrm>
+            <a:prstGeom prst="cube">
+              <a:avLst/>
+            </a:prstGeom>
+            <a:ln w="19050">
+              <a:solidFill>
+                <a:schemeClr val="accent2"/>
+              </a:solidFill>
+            </a:ln>
+          </p:spPr>
+          <p:style>
+            <a:lnRef idx="2">
+              <a:schemeClr val="accent1">
+                <a:shade val="50000"/>
+              </a:schemeClr>
+            </a:lnRef>
+            <a:fillRef idx="1">
+              <a:schemeClr val="accent1"/>
+            </a:fillRef>
+            <a:effectRef idx="0">
+              <a:schemeClr val="accent1"/>
+            </a:effectRef>
+            <a:fontRef idx="minor">
+              <a:schemeClr val="lt1"/>
+            </a:fontRef>
+          </p:style>
+          <p:txBody>
+            <a:bodyPr rtlCol="0" anchor="ctr"/>
+            <a:lstStyle/>
+            <a:p>
+              <a:pPr algn="ctr"/>
+              <a:endParaRPr lang="zh-TW" altLang="en-US"/>
+            </a:p>
+          </p:txBody>
+        </p:sp>
+        <p:sp>
+          <p:nvSpPr>
+            <p:cNvPr id="74" name="立方體 73"/>
+            <p:cNvSpPr/>
+            <p:nvPr/>
+          </p:nvSpPr>
+          <p:spPr>
+            <a:xfrm>
+              <a:off x="9606008" y="7465946"/>
+              <a:ext cx="309493" cy="274320"/>
+            </a:xfrm>
+            <a:prstGeom prst="cube">
+              <a:avLst/>
+            </a:prstGeom>
+            <a:ln w="19050">
+              <a:solidFill>
+                <a:schemeClr val="accent2"/>
+              </a:solidFill>
+            </a:ln>
+          </p:spPr>
+          <p:style>
+            <a:lnRef idx="2">
+              <a:schemeClr val="accent1">
+                <a:shade val="50000"/>
+              </a:schemeClr>
+            </a:lnRef>
+            <a:fillRef idx="1">
+              <a:schemeClr val="accent1"/>
+            </a:fillRef>
+            <a:effectRef idx="0">
+              <a:schemeClr val="accent1"/>
+            </a:effectRef>
+            <a:fontRef idx="minor">
+              <a:schemeClr val="lt1"/>
+            </a:fontRef>
+          </p:style>
+          <p:txBody>
+            <a:bodyPr rtlCol="0" anchor="ctr"/>
+            <a:lstStyle/>
+            <a:p>
+              <a:pPr algn="ctr"/>
+              <a:endParaRPr lang="zh-TW" altLang="en-US"/>
+            </a:p>
+          </p:txBody>
+        </p:sp>
+        <p:sp>
+          <p:nvSpPr>
+            <p:cNvPr id="75" name="立方體 74"/>
+            <p:cNvSpPr/>
+            <p:nvPr/>
+          </p:nvSpPr>
+          <p:spPr>
+            <a:xfrm>
+              <a:off x="9614015" y="7191691"/>
+              <a:ext cx="309493" cy="274320"/>
+            </a:xfrm>
+            <a:prstGeom prst="cube">
+              <a:avLst/>
+            </a:prstGeom>
+            <a:ln w="19050">
+              <a:solidFill>
+                <a:schemeClr val="accent2"/>
+              </a:solidFill>
+            </a:ln>
+          </p:spPr>
+          <p:style>
+            <a:lnRef idx="2">
+              <a:schemeClr val="accent1">
+                <a:shade val="50000"/>
+              </a:schemeClr>
+            </a:lnRef>
+            <a:fillRef idx="1">
+              <a:schemeClr val="accent1"/>
+            </a:fillRef>
+            <a:effectRef idx="0">
+              <a:schemeClr val="accent1"/>
+            </a:effectRef>
+            <a:fontRef idx="minor">
+              <a:schemeClr val="lt1"/>
+            </a:fontRef>
+          </p:style>
+          <p:txBody>
+            <a:bodyPr rtlCol="0" anchor="ctr"/>
+            <a:lstStyle/>
+            <a:p>
+              <a:pPr algn="ctr"/>
+              <a:endParaRPr lang="zh-TW" altLang="en-US"/>
+            </a:p>
+          </p:txBody>
+        </p:sp>
+        <p:sp>
+          <p:nvSpPr>
+            <p:cNvPr id="76" name="立方體 75"/>
+            <p:cNvSpPr/>
+            <p:nvPr/>
+          </p:nvSpPr>
+          <p:spPr>
+            <a:xfrm>
+              <a:off x="9929243" y="7740266"/>
+              <a:ext cx="309493" cy="274320"/>
+            </a:xfrm>
+            <a:prstGeom prst="cube">
+              <a:avLst/>
+            </a:prstGeom>
+            <a:ln w="19050">
+              <a:solidFill>
+                <a:schemeClr val="accent2"/>
+              </a:solidFill>
+            </a:ln>
+          </p:spPr>
+          <p:style>
+            <a:lnRef idx="2">
+              <a:schemeClr val="accent1">
+                <a:shade val="50000"/>
+              </a:schemeClr>
+            </a:lnRef>
+            <a:fillRef idx="1">
+              <a:schemeClr val="accent1"/>
+            </a:fillRef>
+            <a:effectRef idx="0">
+              <a:schemeClr val="accent1"/>
+            </a:effectRef>
+            <a:fontRef idx="minor">
+              <a:schemeClr val="lt1"/>
+            </a:fontRef>
+          </p:style>
+          <p:txBody>
+            <a:bodyPr rtlCol="0" anchor="ctr"/>
+            <a:lstStyle/>
+            <a:p>
+              <a:pPr algn="ctr"/>
+              <a:endParaRPr lang="zh-TW" altLang="en-US"/>
+            </a:p>
+          </p:txBody>
+        </p:sp>
+        <p:sp>
+          <p:nvSpPr>
+            <p:cNvPr id="77" name="立方體 76"/>
+            <p:cNvSpPr/>
+            <p:nvPr/>
+          </p:nvSpPr>
+          <p:spPr>
+            <a:xfrm>
+              <a:off x="9929242" y="7465946"/>
+              <a:ext cx="309493" cy="274320"/>
+            </a:xfrm>
+            <a:prstGeom prst="cube">
+              <a:avLst/>
+            </a:prstGeom>
+            <a:ln w="19050">
+              <a:solidFill>
+                <a:schemeClr val="accent2"/>
+              </a:solidFill>
+            </a:ln>
+          </p:spPr>
+          <p:style>
+            <a:lnRef idx="2">
+              <a:schemeClr val="accent1">
+                <a:shade val="50000"/>
+              </a:schemeClr>
+            </a:lnRef>
+            <a:fillRef idx="1">
+              <a:schemeClr val="accent1"/>
+            </a:fillRef>
+            <a:effectRef idx="0">
+              <a:schemeClr val="accent1"/>
+            </a:effectRef>
+            <a:fontRef idx="minor">
+              <a:schemeClr val="lt1"/>
+            </a:fontRef>
+          </p:style>
+          <p:txBody>
+            <a:bodyPr rtlCol="0" anchor="ctr"/>
+            <a:lstStyle/>
+            <a:p>
+              <a:pPr algn="ctr"/>
+              <a:endParaRPr lang="zh-TW" altLang="en-US"/>
+            </a:p>
+          </p:txBody>
+        </p:sp>
+        <p:sp>
+          <p:nvSpPr>
+            <p:cNvPr id="78" name="立方體 77"/>
+            <p:cNvSpPr/>
+            <p:nvPr/>
+          </p:nvSpPr>
+          <p:spPr>
+            <a:xfrm>
+              <a:off x="9937249" y="7191691"/>
+              <a:ext cx="309493" cy="274320"/>
+            </a:xfrm>
+            <a:prstGeom prst="cube">
+              <a:avLst/>
+            </a:prstGeom>
+            <a:ln w="19050">
+              <a:solidFill>
+                <a:schemeClr val="accent2"/>
+              </a:solidFill>
+            </a:ln>
+          </p:spPr>
+          <p:style>
+            <a:lnRef idx="2">
+              <a:schemeClr val="accent1">
+                <a:shade val="50000"/>
+              </a:schemeClr>
+            </a:lnRef>
+            <a:fillRef idx="1">
+              <a:schemeClr val="accent1"/>
+            </a:fillRef>
+            <a:effectRef idx="0">
+              <a:schemeClr val="accent1"/>
+            </a:effectRef>
+            <a:fontRef idx="minor">
+              <a:schemeClr val="lt1"/>
+            </a:fontRef>
+          </p:style>
+          <p:txBody>
+            <a:bodyPr rtlCol="0" anchor="ctr"/>
+            <a:lstStyle/>
+            <a:p>
+              <a:pPr algn="ctr"/>
+              <a:endParaRPr lang="zh-TW" altLang="en-US"/>
+            </a:p>
+          </p:txBody>
+        </p:sp>
+        <p:sp>
+          <p:nvSpPr>
+            <p:cNvPr id="79" name="立方體 78"/>
+            <p:cNvSpPr/>
+            <p:nvPr/>
+          </p:nvSpPr>
+          <p:spPr>
+            <a:xfrm>
+              <a:off x="10246743" y="7740266"/>
+              <a:ext cx="309493" cy="274320"/>
+            </a:xfrm>
+            <a:prstGeom prst="cube">
+              <a:avLst/>
+            </a:prstGeom>
+            <a:ln w="19050">
+              <a:solidFill>
+                <a:schemeClr val="accent2"/>
+              </a:solidFill>
+            </a:ln>
+          </p:spPr>
+          <p:style>
+            <a:lnRef idx="2">
+              <a:schemeClr val="accent1">
+                <a:shade val="50000"/>
+              </a:schemeClr>
+            </a:lnRef>
+            <a:fillRef idx="1">
+              <a:schemeClr val="accent1"/>
+            </a:fillRef>
+            <a:effectRef idx="0">
+              <a:schemeClr val="accent1"/>
+            </a:effectRef>
+            <a:fontRef idx="minor">
+              <a:schemeClr val="lt1"/>
+            </a:fontRef>
+          </p:style>
+          <p:txBody>
+            <a:bodyPr rtlCol="0" anchor="ctr"/>
+            <a:lstStyle/>
+            <a:p>
+              <a:pPr algn="ctr"/>
+              <a:endParaRPr lang="zh-TW" altLang="en-US"/>
+            </a:p>
+          </p:txBody>
+        </p:sp>
+        <p:sp>
+          <p:nvSpPr>
+            <p:cNvPr id="80" name="立方體 79"/>
+            <p:cNvSpPr/>
+            <p:nvPr/>
+          </p:nvSpPr>
+          <p:spPr>
+            <a:xfrm>
+              <a:off x="10246742" y="7465946"/>
+              <a:ext cx="309493" cy="274320"/>
+            </a:xfrm>
+            <a:prstGeom prst="cube">
+              <a:avLst/>
+            </a:prstGeom>
+            <a:ln w="19050">
+              <a:solidFill>
+                <a:schemeClr val="accent2"/>
+              </a:solidFill>
+            </a:ln>
+          </p:spPr>
+          <p:style>
+            <a:lnRef idx="2">
+              <a:schemeClr val="accent1">
+                <a:shade val="50000"/>
+              </a:schemeClr>
+            </a:lnRef>
+            <a:fillRef idx="1">
+              <a:schemeClr val="accent1"/>
+            </a:fillRef>
+            <a:effectRef idx="0">
+              <a:schemeClr val="accent1"/>
+            </a:effectRef>
+            <a:fontRef idx="minor">
+              <a:schemeClr val="lt1"/>
+            </a:fontRef>
+          </p:style>
+          <p:txBody>
+            <a:bodyPr rtlCol="0" anchor="ctr"/>
+            <a:lstStyle/>
+            <a:p>
+              <a:pPr algn="ctr"/>
+              <a:endParaRPr lang="zh-TW" altLang="en-US"/>
+            </a:p>
+          </p:txBody>
+        </p:sp>
+        <p:sp>
+          <p:nvSpPr>
+            <p:cNvPr id="81" name="立方體 80"/>
+            <p:cNvSpPr/>
+            <p:nvPr/>
+          </p:nvSpPr>
+          <p:spPr>
+            <a:xfrm>
+              <a:off x="10254749" y="7191691"/>
+              <a:ext cx="309493" cy="274320"/>
+            </a:xfrm>
+            <a:prstGeom prst="cube">
+              <a:avLst/>
+            </a:prstGeom>
+            <a:ln w="19050">
+              <a:solidFill>
+                <a:schemeClr val="accent2"/>
+              </a:solidFill>
+            </a:ln>
+          </p:spPr>
+          <p:style>
+            <a:lnRef idx="2">
+              <a:schemeClr val="accent1">
+                <a:shade val="50000"/>
+              </a:schemeClr>
+            </a:lnRef>
+            <a:fillRef idx="1">
+              <a:schemeClr val="accent1"/>
+            </a:fillRef>
+            <a:effectRef idx="0">
+              <a:schemeClr val="accent1"/>
+            </a:effectRef>
+            <a:fontRef idx="minor">
+              <a:schemeClr val="lt1"/>
+            </a:fontRef>
+          </p:style>
+          <p:txBody>
+            <a:bodyPr rtlCol="0" anchor="ctr"/>
+            <a:lstStyle/>
+            <a:p>
+              <a:pPr algn="ctr"/>
+              <a:endParaRPr lang="zh-TW" altLang="en-US"/>
+            </a:p>
+          </p:txBody>
+        </p:sp>
+        <p:sp>
+          <p:nvSpPr>
+            <p:cNvPr id="82" name="立方體 81"/>
+            <p:cNvSpPr/>
+            <p:nvPr/>
+          </p:nvSpPr>
+          <p:spPr>
+            <a:xfrm>
+              <a:off x="9606008" y="8024994"/>
+              <a:ext cx="309493" cy="274320"/>
+            </a:xfrm>
+            <a:prstGeom prst="cube">
+              <a:avLst/>
+            </a:prstGeom>
+            <a:ln w="19050">
+              <a:solidFill>
+                <a:schemeClr val="accent2"/>
+              </a:solidFill>
+            </a:ln>
+          </p:spPr>
+          <p:style>
+            <a:lnRef idx="2">
+              <a:schemeClr val="accent1">
+                <a:shade val="50000"/>
+              </a:schemeClr>
+            </a:lnRef>
+            <a:fillRef idx="1">
+              <a:schemeClr val="accent1"/>
+            </a:fillRef>
+            <a:effectRef idx="0">
+              <a:schemeClr val="accent1"/>
+            </a:effectRef>
+            <a:fontRef idx="minor">
+              <a:schemeClr val="lt1"/>
+            </a:fontRef>
+          </p:style>
+          <p:txBody>
+            <a:bodyPr rtlCol="0" anchor="ctr"/>
+            <a:lstStyle/>
+            <a:p>
+              <a:pPr algn="ctr"/>
+              <a:endParaRPr lang="zh-TW" altLang="en-US"/>
+            </a:p>
+          </p:txBody>
+        </p:sp>
+        <p:sp>
+          <p:nvSpPr>
+            <p:cNvPr id="83" name="立方體 82"/>
+            <p:cNvSpPr/>
+            <p:nvPr/>
+          </p:nvSpPr>
+          <p:spPr>
+            <a:xfrm>
+              <a:off x="9929242" y="8024994"/>
+              <a:ext cx="309493" cy="274320"/>
+            </a:xfrm>
+            <a:prstGeom prst="cube">
+              <a:avLst/>
+            </a:prstGeom>
+            <a:ln w="19050">
+              <a:solidFill>
+                <a:schemeClr val="accent2"/>
+              </a:solidFill>
+            </a:ln>
+          </p:spPr>
+          <p:style>
+            <a:lnRef idx="2">
+              <a:schemeClr val="accent1">
+                <a:shade val="50000"/>
+              </a:schemeClr>
+            </a:lnRef>
+            <a:fillRef idx="1">
+              <a:schemeClr val="accent1"/>
+            </a:fillRef>
+            <a:effectRef idx="0">
+              <a:schemeClr val="accent1"/>
+            </a:effectRef>
+            <a:fontRef idx="minor">
+              <a:schemeClr val="lt1"/>
+            </a:fontRef>
+          </p:style>
+          <p:txBody>
+            <a:bodyPr rtlCol="0" anchor="ctr"/>
+            <a:lstStyle/>
+            <a:p>
+              <a:pPr algn="ctr"/>
+              <a:endParaRPr lang="zh-TW" altLang="en-US"/>
+            </a:p>
+          </p:txBody>
+        </p:sp>
+        <p:sp>
+          <p:nvSpPr>
+            <p:cNvPr id="84" name="立方體 83"/>
+            <p:cNvSpPr/>
+            <p:nvPr/>
+          </p:nvSpPr>
+          <p:spPr>
+            <a:xfrm>
+              <a:off x="10246742" y="8024994"/>
+              <a:ext cx="309493" cy="274320"/>
+            </a:xfrm>
+            <a:prstGeom prst="cube">
+              <a:avLst/>
+            </a:prstGeom>
+            <a:ln w="19050">
+              <a:solidFill>
+                <a:schemeClr val="accent2"/>
+              </a:solidFill>
+            </a:ln>
+          </p:spPr>
+          <p:style>
+            <a:lnRef idx="2">
+              <a:schemeClr val="accent1">
+                <a:shade val="50000"/>
+              </a:schemeClr>
+            </a:lnRef>
+            <a:fillRef idx="1">
+              <a:schemeClr val="accent1"/>
+            </a:fillRef>
+            <a:effectRef idx="0">
+              <a:schemeClr val="accent1"/>
+            </a:effectRef>
+            <a:fontRef idx="minor">
+              <a:schemeClr val="lt1"/>
+            </a:fontRef>
+          </p:style>
+          <p:txBody>
+            <a:bodyPr rtlCol="0" anchor="ctr"/>
+            <a:lstStyle/>
+            <a:p>
+              <a:pPr algn="ctr"/>
+              <a:endParaRPr lang="zh-TW" altLang="en-US"/>
+            </a:p>
+          </p:txBody>
+        </p:sp>
+        <p:sp>
+          <p:nvSpPr>
+            <p:cNvPr id="85" name="立方體 84"/>
+            <p:cNvSpPr/>
+            <p:nvPr/>
+          </p:nvSpPr>
+          <p:spPr>
+            <a:xfrm>
+              <a:off x="10556236" y="7740201"/>
+              <a:ext cx="309493" cy="274320"/>
+            </a:xfrm>
+            <a:prstGeom prst="cube">
+              <a:avLst/>
+            </a:prstGeom>
+            <a:ln w="19050">
+              <a:solidFill>
+                <a:schemeClr val="accent2"/>
+              </a:solidFill>
+            </a:ln>
+          </p:spPr>
+          <p:style>
+            <a:lnRef idx="2">
+              <a:schemeClr val="accent1">
+                <a:shade val="50000"/>
+              </a:schemeClr>
+            </a:lnRef>
+            <a:fillRef idx="1">
+              <a:schemeClr val="accent1"/>
+            </a:fillRef>
+            <a:effectRef idx="0">
+              <a:schemeClr val="accent1"/>
+            </a:effectRef>
+            <a:fontRef idx="minor">
+              <a:schemeClr val="lt1"/>
+            </a:fontRef>
+          </p:style>
+          <p:txBody>
+            <a:bodyPr rtlCol="0" anchor="ctr"/>
+            <a:lstStyle/>
+            <a:p>
+              <a:pPr algn="ctr"/>
+              <a:endParaRPr lang="zh-TW" altLang="en-US"/>
+            </a:p>
+          </p:txBody>
+        </p:sp>
+        <p:sp>
+          <p:nvSpPr>
+            <p:cNvPr id="86" name="立方體 85"/>
+            <p:cNvSpPr/>
+            <p:nvPr/>
+          </p:nvSpPr>
+          <p:spPr>
+            <a:xfrm>
+              <a:off x="10556235" y="7465881"/>
+              <a:ext cx="309493" cy="274320"/>
+            </a:xfrm>
+            <a:prstGeom prst="cube">
+              <a:avLst/>
+            </a:prstGeom>
+            <a:ln w="19050">
+              <a:solidFill>
+                <a:schemeClr val="accent2"/>
+              </a:solidFill>
+            </a:ln>
+          </p:spPr>
+          <p:style>
+            <a:lnRef idx="2">
+              <a:schemeClr val="accent1">
+                <a:shade val="50000"/>
+              </a:schemeClr>
+            </a:lnRef>
+            <a:fillRef idx="1">
+              <a:schemeClr val="accent1"/>
+            </a:fillRef>
+            <a:effectRef idx="0">
+              <a:schemeClr val="accent1"/>
+            </a:effectRef>
+            <a:fontRef idx="minor">
+              <a:schemeClr val="lt1"/>
+            </a:fontRef>
+          </p:style>
+          <p:txBody>
+            <a:bodyPr rtlCol="0" anchor="ctr"/>
+            <a:lstStyle/>
+            <a:p>
+              <a:pPr algn="ctr"/>
+              <a:endParaRPr lang="zh-TW" altLang="en-US"/>
+            </a:p>
+          </p:txBody>
+        </p:sp>
+        <p:sp>
+          <p:nvSpPr>
+            <p:cNvPr id="87" name="立方體 86"/>
+            <p:cNvSpPr/>
+            <p:nvPr/>
+          </p:nvSpPr>
+          <p:spPr>
+            <a:xfrm>
+              <a:off x="10564242" y="7191626"/>
+              <a:ext cx="309493" cy="274320"/>
+            </a:xfrm>
+            <a:prstGeom prst="cube">
+              <a:avLst/>
+            </a:prstGeom>
+            <a:ln w="19050">
+              <a:solidFill>
+                <a:schemeClr val="accent2"/>
+              </a:solidFill>
+            </a:ln>
+          </p:spPr>
+          <p:style>
+            <a:lnRef idx="2">
+              <a:schemeClr val="accent1">
+                <a:shade val="50000"/>
+              </a:schemeClr>
+            </a:lnRef>
+            <a:fillRef idx="1">
+              <a:schemeClr val="accent1"/>
+            </a:fillRef>
+            <a:effectRef idx="0">
+              <a:schemeClr val="accent1"/>
+            </a:effectRef>
+            <a:fontRef idx="minor">
+              <a:schemeClr val="lt1"/>
+            </a:fontRef>
+          </p:style>
+          <p:txBody>
+            <a:bodyPr rtlCol="0" anchor="ctr"/>
+            <a:lstStyle/>
+            <a:p>
+              <a:pPr algn="ctr"/>
+              <a:endParaRPr lang="zh-TW" altLang="en-US"/>
+            </a:p>
+          </p:txBody>
+        </p:sp>
+        <p:sp>
+          <p:nvSpPr>
+            <p:cNvPr id="88" name="立方體 87"/>
+            <p:cNvSpPr/>
+            <p:nvPr/>
+          </p:nvSpPr>
+          <p:spPr>
+            <a:xfrm>
+              <a:off x="10556235" y="8024929"/>
+              <a:ext cx="309493" cy="274320"/>
+            </a:xfrm>
+            <a:prstGeom prst="cube">
+              <a:avLst/>
+            </a:prstGeom>
+            <a:ln w="19050">
+              <a:solidFill>
+                <a:schemeClr val="accent2"/>
+              </a:solidFill>
+            </a:ln>
+          </p:spPr>
+          <p:style>
+            <a:lnRef idx="2">
+              <a:schemeClr val="accent1">
+                <a:shade val="50000"/>
+              </a:schemeClr>
+            </a:lnRef>
+            <a:fillRef idx="1">
+              <a:schemeClr val="accent1"/>
+            </a:fillRef>
+            <a:effectRef idx="0">
+              <a:schemeClr val="accent1"/>
+            </a:effectRef>
+            <a:fontRef idx="minor">
+              <a:schemeClr val="lt1"/>
+            </a:fontRef>
+          </p:style>
+          <p:txBody>
+            <a:bodyPr rtlCol="0" anchor="ctr"/>
+            <a:lstStyle/>
+            <a:p>
+              <a:pPr algn="ctr"/>
+              <a:endParaRPr lang="zh-TW" altLang="en-US"/>
+            </a:p>
+          </p:txBody>
+        </p:sp>
+      </p:grpSp>
+      <p:grpSp>
+        <p:nvGrpSpPr>
+          <p:cNvPr id="100" name="群組 99"/>
+          <p:cNvGrpSpPr/>
+          <p:nvPr/>
+        </p:nvGrpSpPr>
+        <p:grpSpPr>
+          <a:xfrm>
+            <a:off x="10058778" y="6210970"/>
+            <a:ext cx="1267727" cy="1107688"/>
+            <a:chOff x="9606008" y="7191626"/>
+            <a:chExt cx="1267727" cy="1107688"/>
+          </a:xfrm>
+        </p:grpSpPr>
+        <p:sp>
+          <p:nvSpPr>
+            <p:cNvPr id="101" name="立方體 100"/>
+            <p:cNvSpPr/>
+            <p:nvPr/>
+          </p:nvSpPr>
+          <p:spPr>
+            <a:xfrm>
+              <a:off x="9606009" y="7740266"/>
+              <a:ext cx="309493" cy="274320"/>
+            </a:xfrm>
+            <a:prstGeom prst="cube">
+              <a:avLst/>
+            </a:prstGeom>
+            <a:ln w="19050">
+              <a:solidFill>
+                <a:srgbClr val="7030A0"/>
+              </a:solidFill>
+            </a:ln>
+          </p:spPr>
+          <p:style>
+            <a:lnRef idx="2">
+              <a:schemeClr val="accent1">
+                <a:shade val="50000"/>
+              </a:schemeClr>
+            </a:lnRef>
+            <a:fillRef idx="1">
+              <a:schemeClr val="accent1"/>
+            </a:fillRef>
+            <a:effectRef idx="0">
+              <a:schemeClr val="accent1"/>
+            </a:effectRef>
+            <a:fontRef idx="minor">
+              <a:schemeClr val="lt1"/>
+            </a:fontRef>
+          </p:style>
+          <p:txBody>
+            <a:bodyPr rtlCol="0" anchor="ctr"/>
+            <a:lstStyle/>
+            <a:p>
+              <a:pPr algn="ctr"/>
+              <a:endParaRPr lang="zh-TW" altLang="en-US"/>
+            </a:p>
+          </p:txBody>
+        </p:sp>
+        <p:sp>
+          <p:nvSpPr>
+            <p:cNvPr id="102" name="立方體 101"/>
+            <p:cNvSpPr/>
+            <p:nvPr/>
+          </p:nvSpPr>
+          <p:spPr>
+            <a:xfrm>
+              <a:off x="9606008" y="7465946"/>
+              <a:ext cx="309493" cy="274320"/>
+            </a:xfrm>
+            <a:prstGeom prst="cube">
+              <a:avLst/>
+            </a:prstGeom>
+            <a:ln w="19050">
+              <a:solidFill>
+                <a:srgbClr val="7030A0"/>
+              </a:solidFill>
+            </a:ln>
+          </p:spPr>
+          <p:style>
+            <a:lnRef idx="2">
+              <a:schemeClr val="accent1">
+                <a:shade val="50000"/>
+              </a:schemeClr>
+            </a:lnRef>
+            <a:fillRef idx="1">
+              <a:schemeClr val="accent1"/>
+            </a:fillRef>
+            <a:effectRef idx="0">
+              <a:schemeClr val="accent1"/>
+            </a:effectRef>
+            <a:fontRef idx="minor">
+              <a:schemeClr val="lt1"/>
+            </a:fontRef>
+          </p:style>
+          <p:txBody>
+            <a:bodyPr rtlCol="0" anchor="ctr"/>
+            <a:lstStyle/>
+            <a:p>
+              <a:pPr algn="ctr"/>
+              <a:endParaRPr lang="zh-TW" altLang="en-US"/>
+            </a:p>
+          </p:txBody>
+        </p:sp>
+        <p:sp>
+          <p:nvSpPr>
+            <p:cNvPr id="103" name="立方體 102"/>
+            <p:cNvSpPr/>
+            <p:nvPr/>
+          </p:nvSpPr>
+          <p:spPr>
+            <a:xfrm>
+              <a:off x="9614015" y="7191691"/>
+              <a:ext cx="309493" cy="274320"/>
+            </a:xfrm>
+            <a:prstGeom prst="cube">
+              <a:avLst/>
+            </a:prstGeom>
+            <a:ln w="19050">
+              <a:solidFill>
+                <a:srgbClr val="7030A0"/>
+              </a:solidFill>
+            </a:ln>
+          </p:spPr>
+          <p:style>
+            <a:lnRef idx="2">
+              <a:schemeClr val="accent1">
+                <a:shade val="50000"/>
+              </a:schemeClr>
+            </a:lnRef>
+            <a:fillRef idx="1">
+              <a:schemeClr val="accent1"/>
+            </a:fillRef>
+            <a:effectRef idx="0">
+              <a:schemeClr val="accent1"/>
+            </a:effectRef>
+            <a:fontRef idx="minor">
+              <a:schemeClr val="lt1"/>
+            </a:fontRef>
+          </p:style>
+          <p:txBody>
+            <a:bodyPr rtlCol="0" anchor="ctr"/>
+            <a:lstStyle/>
+            <a:p>
+              <a:pPr algn="ctr"/>
+              <a:endParaRPr lang="zh-TW" altLang="en-US"/>
+            </a:p>
+          </p:txBody>
+        </p:sp>
+        <p:sp>
+          <p:nvSpPr>
+            <p:cNvPr id="104" name="立方體 103"/>
+            <p:cNvSpPr/>
+            <p:nvPr/>
+          </p:nvSpPr>
+          <p:spPr>
+            <a:xfrm>
+              <a:off x="9929243" y="7740266"/>
+              <a:ext cx="309493" cy="274320"/>
+            </a:xfrm>
+            <a:prstGeom prst="cube">
+              <a:avLst/>
+            </a:prstGeom>
+            <a:ln w="19050">
+              <a:solidFill>
+                <a:srgbClr val="7030A0"/>
+              </a:solidFill>
+            </a:ln>
+          </p:spPr>
+          <p:style>
+            <a:lnRef idx="2">
+              <a:schemeClr val="accent1">
+                <a:shade val="50000"/>
+              </a:schemeClr>
+            </a:lnRef>
+            <a:fillRef idx="1">
+              <a:schemeClr val="accent1"/>
+            </a:fillRef>
+            <a:effectRef idx="0">
+              <a:schemeClr val="accent1"/>
+            </a:effectRef>
+            <a:fontRef idx="minor">
+              <a:schemeClr val="lt1"/>
+            </a:fontRef>
+          </p:style>
+          <p:txBody>
+            <a:bodyPr rtlCol="0" anchor="ctr"/>
+            <a:lstStyle/>
+            <a:p>
+              <a:pPr algn="ctr"/>
+              <a:endParaRPr lang="zh-TW" altLang="en-US"/>
+            </a:p>
+          </p:txBody>
+        </p:sp>
+        <p:sp>
+          <p:nvSpPr>
+            <p:cNvPr id="105" name="立方體 104"/>
+            <p:cNvSpPr/>
+            <p:nvPr/>
+          </p:nvSpPr>
+          <p:spPr>
+            <a:xfrm>
+              <a:off x="9929242" y="7465946"/>
+              <a:ext cx="309493" cy="274320"/>
+            </a:xfrm>
+            <a:prstGeom prst="cube">
+              <a:avLst/>
+            </a:prstGeom>
+            <a:ln w="19050">
+              <a:solidFill>
+                <a:srgbClr val="7030A0"/>
+              </a:solidFill>
+            </a:ln>
+          </p:spPr>
+          <p:style>
+            <a:lnRef idx="2">
+              <a:schemeClr val="accent1">
+                <a:shade val="50000"/>
+              </a:schemeClr>
+            </a:lnRef>
+            <a:fillRef idx="1">
+              <a:schemeClr val="accent1"/>
+            </a:fillRef>
+            <a:effectRef idx="0">
+              <a:schemeClr val="accent1"/>
+            </a:effectRef>
+            <a:fontRef idx="minor">
+              <a:schemeClr val="lt1"/>
+            </a:fontRef>
+          </p:style>
+          <p:txBody>
+            <a:bodyPr rtlCol="0" anchor="ctr"/>
+            <a:lstStyle/>
+            <a:p>
+              <a:pPr algn="ctr"/>
+              <a:endParaRPr lang="zh-TW" altLang="en-US"/>
+            </a:p>
+          </p:txBody>
+        </p:sp>
+        <p:sp>
+          <p:nvSpPr>
+            <p:cNvPr id="106" name="立方體 105"/>
+            <p:cNvSpPr/>
+            <p:nvPr/>
+          </p:nvSpPr>
+          <p:spPr>
+            <a:xfrm>
+              <a:off x="9937249" y="7191691"/>
+              <a:ext cx="309493" cy="274320"/>
+            </a:xfrm>
+            <a:prstGeom prst="cube">
+              <a:avLst/>
+            </a:prstGeom>
+            <a:ln w="19050">
+              <a:solidFill>
+                <a:srgbClr val="7030A0"/>
+              </a:solidFill>
+            </a:ln>
+          </p:spPr>
+          <p:style>
+            <a:lnRef idx="2">
+              <a:schemeClr val="accent1">
+                <a:shade val="50000"/>
+              </a:schemeClr>
+            </a:lnRef>
+            <a:fillRef idx="1">
+              <a:schemeClr val="accent1"/>
+            </a:fillRef>
+            <a:effectRef idx="0">
+              <a:schemeClr val="accent1"/>
+            </a:effectRef>
+            <a:fontRef idx="minor">
+              <a:schemeClr val="lt1"/>
+            </a:fontRef>
+          </p:style>
+          <p:txBody>
+            <a:bodyPr rtlCol="0" anchor="ctr"/>
+            <a:lstStyle/>
+            <a:p>
+              <a:pPr algn="ctr"/>
+              <a:endParaRPr lang="zh-TW" altLang="en-US"/>
+            </a:p>
+          </p:txBody>
+        </p:sp>
+        <p:sp>
+          <p:nvSpPr>
+            <p:cNvPr id="107" name="立方體 106"/>
+            <p:cNvSpPr/>
+            <p:nvPr/>
+          </p:nvSpPr>
+          <p:spPr>
+            <a:xfrm>
+              <a:off x="10246743" y="7740266"/>
+              <a:ext cx="309493" cy="274320"/>
+            </a:xfrm>
+            <a:prstGeom prst="cube">
+              <a:avLst/>
+            </a:prstGeom>
+            <a:ln w="19050">
+              <a:solidFill>
+                <a:srgbClr val="7030A0"/>
+              </a:solidFill>
+            </a:ln>
+          </p:spPr>
+          <p:style>
+            <a:lnRef idx="2">
+              <a:schemeClr val="accent1">
+                <a:shade val="50000"/>
+              </a:schemeClr>
+            </a:lnRef>
+            <a:fillRef idx="1">
+              <a:schemeClr val="accent1"/>
+            </a:fillRef>
+            <a:effectRef idx="0">
+              <a:schemeClr val="accent1"/>
+            </a:effectRef>
+            <a:fontRef idx="minor">
+              <a:schemeClr val="lt1"/>
+            </a:fontRef>
+          </p:style>
+          <p:txBody>
+            <a:bodyPr rtlCol="0" anchor="ctr"/>
+            <a:lstStyle/>
+            <a:p>
+              <a:pPr algn="ctr"/>
+              <a:endParaRPr lang="zh-TW" altLang="en-US"/>
+            </a:p>
+          </p:txBody>
+        </p:sp>
+        <p:sp>
+          <p:nvSpPr>
+            <p:cNvPr id="108" name="立方體 107"/>
+            <p:cNvSpPr/>
+            <p:nvPr/>
+          </p:nvSpPr>
+          <p:spPr>
+            <a:xfrm>
+              <a:off x="10246742" y="7465946"/>
+              <a:ext cx="309493" cy="274320"/>
+            </a:xfrm>
+            <a:prstGeom prst="cube">
+              <a:avLst/>
+            </a:prstGeom>
+            <a:ln w="19050">
+              <a:solidFill>
+                <a:srgbClr val="7030A0"/>
+              </a:solidFill>
+            </a:ln>
+          </p:spPr>
+          <p:style>
+            <a:lnRef idx="2">
+              <a:schemeClr val="accent1">
+                <a:shade val="50000"/>
+              </a:schemeClr>
+            </a:lnRef>
+            <a:fillRef idx="1">
+              <a:schemeClr val="accent1"/>
+            </a:fillRef>
+            <a:effectRef idx="0">
+              <a:schemeClr val="accent1"/>
+            </a:effectRef>
+            <a:fontRef idx="minor">
+              <a:schemeClr val="lt1"/>
+            </a:fontRef>
+          </p:style>
+          <p:txBody>
+            <a:bodyPr rtlCol="0" anchor="ctr"/>
+            <a:lstStyle/>
+            <a:p>
+              <a:pPr algn="ctr"/>
+              <a:endParaRPr lang="zh-TW" altLang="en-US"/>
+            </a:p>
+          </p:txBody>
+        </p:sp>
+        <p:sp>
+          <p:nvSpPr>
+            <p:cNvPr id="109" name="立方體 108"/>
+            <p:cNvSpPr/>
+            <p:nvPr/>
+          </p:nvSpPr>
+          <p:spPr>
+            <a:xfrm>
+              <a:off x="10254749" y="7191691"/>
+              <a:ext cx="309493" cy="274320"/>
+            </a:xfrm>
+            <a:prstGeom prst="cube">
+              <a:avLst/>
+            </a:prstGeom>
+            <a:ln w="19050">
+              <a:solidFill>
+                <a:srgbClr val="7030A0"/>
+              </a:solidFill>
+            </a:ln>
+          </p:spPr>
+          <p:style>
+            <a:lnRef idx="2">
+              <a:schemeClr val="accent1">
+                <a:shade val="50000"/>
+              </a:schemeClr>
+            </a:lnRef>
+            <a:fillRef idx="1">
+              <a:schemeClr val="accent1"/>
+            </a:fillRef>
+            <a:effectRef idx="0">
+              <a:schemeClr val="accent1"/>
+            </a:effectRef>
+            <a:fontRef idx="minor">
+              <a:schemeClr val="lt1"/>
+            </a:fontRef>
+          </p:style>
+          <p:txBody>
+            <a:bodyPr rtlCol="0" anchor="ctr"/>
+            <a:lstStyle/>
+            <a:p>
+              <a:pPr algn="ctr"/>
+              <a:endParaRPr lang="zh-TW" altLang="en-US"/>
+            </a:p>
+          </p:txBody>
+        </p:sp>
+        <p:sp>
+          <p:nvSpPr>
+            <p:cNvPr id="110" name="立方體 109"/>
+            <p:cNvSpPr/>
+            <p:nvPr/>
+          </p:nvSpPr>
+          <p:spPr>
+            <a:xfrm>
+              <a:off x="9606008" y="8024994"/>
+              <a:ext cx="309493" cy="274320"/>
+            </a:xfrm>
+            <a:prstGeom prst="cube">
+              <a:avLst/>
+            </a:prstGeom>
+            <a:ln w="19050">
+              <a:solidFill>
+                <a:srgbClr val="7030A0"/>
+              </a:solidFill>
+            </a:ln>
+          </p:spPr>
+          <p:style>
+            <a:lnRef idx="2">
+              <a:schemeClr val="accent1">
+                <a:shade val="50000"/>
+              </a:schemeClr>
+            </a:lnRef>
+            <a:fillRef idx="1">
+              <a:schemeClr val="accent1"/>
+            </a:fillRef>
+            <a:effectRef idx="0">
+              <a:schemeClr val="accent1"/>
+            </a:effectRef>
+            <a:fontRef idx="minor">
+              <a:schemeClr val="lt1"/>
+            </a:fontRef>
+          </p:style>
+          <p:txBody>
+            <a:bodyPr rtlCol="0" anchor="ctr"/>
+            <a:lstStyle/>
+            <a:p>
+              <a:pPr algn="ctr"/>
+              <a:endParaRPr lang="zh-TW" altLang="en-US"/>
+            </a:p>
+          </p:txBody>
+        </p:sp>
+        <p:sp>
+          <p:nvSpPr>
+            <p:cNvPr id="111" name="立方體 110"/>
+            <p:cNvSpPr/>
+            <p:nvPr/>
+          </p:nvSpPr>
+          <p:spPr>
+            <a:xfrm>
+              <a:off x="9929242" y="8024994"/>
+              <a:ext cx="309493" cy="274320"/>
+            </a:xfrm>
+            <a:prstGeom prst="cube">
+              <a:avLst/>
+            </a:prstGeom>
+            <a:ln w="19050">
+              <a:solidFill>
+                <a:srgbClr val="7030A0"/>
+              </a:solidFill>
+            </a:ln>
+          </p:spPr>
+          <p:style>
+            <a:lnRef idx="2">
+              <a:schemeClr val="accent1">
+                <a:shade val="50000"/>
+              </a:schemeClr>
+            </a:lnRef>
+            <a:fillRef idx="1">
+              <a:schemeClr val="accent1"/>
+            </a:fillRef>
+            <a:effectRef idx="0">
+              <a:schemeClr val="accent1"/>
+            </a:effectRef>
+            <a:fontRef idx="minor">
+              <a:schemeClr val="lt1"/>
+            </a:fontRef>
+          </p:style>
+          <p:txBody>
+            <a:bodyPr rtlCol="0" anchor="ctr"/>
+            <a:lstStyle/>
+            <a:p>
+              <a:pPr algn="ctr"/>
+              <a:endParaRPr lang="zh-TW" altLang="en-US"/>
+            </a:p>
+          </p:txBody>
+        </p:sp>
+        <p:sp>
+          <p:nvSpPr>
+            <p:cNvPr id="112" name="立方體 111"/>
+            <p:cNvSpPr/>
+            <p:nvPr/>
+          </p:nvSpPr>
+          <p:spPr>
+            <a:xfrm>
+              <a:off x="10246742" y="8024994"/>
+              <a:ext cx="309493" cy="274320"/>
+            </a:xfrm>
+            <a:prstGeom prst="cube">
+              <a:avLst/>
+            </a:prstGeom>
+            <a:ln w="19050">
+              <a:solidFill>
+                <a:srgbClr val="7030A0"/>
+              </a:solidFill>
+            </a:ln>
+          </p:spPr>
+          <p:style>
+            <a:lnRef idx="2">
+              <a:schemeClr val="accent1">
+                <a:shade val="50000"/>
+              </a:schemeClr>
+            </a:lnRef>
+            <a:fillRef idx="1">
+              <a:schemeClr val="accent1"/>
+            </a:fillRef>
+            <a:effectRef idx="0">
+              <a:schemeClr val="accent1"/>
+            </a:effectRef>
+            <a:fontRef idx="minor">
+              <a:schemeClr val="lt1"/>
+            </a:fontRef>
+          </p:style>
+          <p:txBody>
+            <a:bodyPr rtlCol="0" anchor="ctr"/>
+            <a:lstStyle/>
+            <a:p>
+              <a:pPr algn="ctr"/>
+              <a:endParaRPr lang="zh-TW" altLang="en-US"/>
+            </a:p>
+          </p:txBody>
+        </p:sp>
+        <p:sp>
+          <p:nvSpPr>
+            <p:cNvPr id="113" name="立方體 112"/>
+            <p:cNvSpPr/>
+            <p:nvPr/>
+          </p:nvSpPr>
+          <p:spPr>
+            <a:xfrm>
+              <a:off x="10556236" y="7740201"/>
+              <a:ext cx="309493" cy="274320"/>
+            </a:xfrm>
+            <a:prstGeom prst="cube">
+              <a:avLst/>
+            </a:prstGeom>
+            <a:ln w="19050">
+              <a:solidFill>
+                <a:srgbClr val="7030A0"/>
+              </a:solidFill>
+            </a:ln>
+          </p:spPr>
+          <p:style>
+            <a:lnRef idx="2">
+              <a:schemeClr val="accent1">
+                <a:shade val="50000"/>
+              </a:schemeClr>
+            </a:lnRef>
+            <a:fillRef idx="1">
+              <a:schemeClr val="accent1"/>
+            </a:fillRef>
+            <a:effectRef idx="0">
+              <a:schemeClr val="accent1"/>
+            </a:effectRef>
+            <a:fontRef idx="minor">
+              <a:schemeClr val="lt1"/>
+            </a:fontRef>
+          </p:style>
+          <p:txBody>
+            <a:bodyPr rtlCol="0" anchor="ctr"/>
+            <a:lstStyle/>
+            <a:p>
+              <a:pPr algn="ctr"/>
+              <a:endParaRPr lang="zh-TW" altLang="en-US"/>
+            </a:p>
+          </p:txBody>
+        </p:sp>
+        <p:sp>
+          <p:nvSpPr>
+            <p:cNvPr id="114" name="立方體 113"/>
+            <p:cNvSpPr/>
+            <p:nvPr/>
+          </p:nvSpPr>
+          <p:spPr>
+            <a:xfrm>
+              <a:off x="10556235" y="7465881"/>
+              <a:ext cx="309493" cy="274320"/>
+            </a:xfrm>
+            <a:prstGeom prst="cube">
+              <a:avLst/>
+            </a:prstGeom>
+            <a:ln w="19050">
+              <a:solidFill>
+                <a:srgbClr val="7030A0"/>
+              </a:solidFill>
+            </a:ln>
+          </p:spPr>
+          <p:style>
+            <a:lnRef idx="2">
+              <a:schemeClr val="accent1">
+                <a:shade val="50000"/>
+              </a:schemeClr>
+            </a:lnRef>
+            <a:fillRef idx="1">
+              <a:schemeClr val="accent1"/>
+            </a:fillRef>
+            <a:effectRef idx="0">
+              <a:schemeClr val="accent1"/>
+            </a:effectRef>
+            <a:fontRef idx="minor">
+              <a:schemeClr val="lt1"/>
+            </a:fontRef>
+          </p:style>
+          <p:txBody>
+            <a:bodyPr rtlCol="0" anchor="ctr"/>
+            <a:lstStyle/>
+            <a:p>
+              <a:pPr algn="ctr"/>
+              <a:endParaRPr lang="zh-TW" altLang="en-US"/>
+            </a:p>
+          </p:txBody>
+        </p:sp>
+        <p:sp>
+          <p:nvSpPr>
+            <p:cNvPr id="115" name="立方體 114"/>
+            <p:cNvSpPr/>
+            <p:nvPr/>
+          </p:nvSpPr>
+          <p:spPr>
+            <a:xfrm>
+              <a:off x="10564242" y="7191626"/>
+              <a:ext cx="309493" cy="274320"/>
+            </a:xfrm>
+            <a:prstGeom prst="cube">
+              <a:avLst/>
+            </a:prstGeom>
+            <a:ln w="19050">
+              <a:solidFill>
+                <a:srgbClr val="7030A0"/>
+              </a:solidFill>
+            </a:ln>
+          </p:spPr>
+          <p:style>
+            <a:lnRef idx="2">
+              <a:schemeClr val="accent1">
+                <a:shade val="50000"/>
+              </a:schemeClr>
+            </a:lnRef>
+            <a:fillRef idx="1">
+              <a:schemeClr val="accent1"/>
+            </a:fillRef>
+            <a:effectRef idx="0">
+              <a:schemeClr val="accent1"/>
+            </a:effectRef>
+            <a:fontRef idx="minor">
+              <a:schemeClr val="lt1"/>
+            </a:fontRef>
+          </p:style>
+          <p:txBody>
+            <a:bodyPr rtlCol="0" anchor="ctr"/>
+            <a:lstStyle/>
+            <a:p>
+              <a:pPr algn="ctr"/>
+              <a:endParaRPr lang="zh-TW" altLang="en-US"/>
+            </a:p>
+          </p:txBody>
+        </p:sp>
+        <p:sp>
+          <p:nvSpPr>
+            <p:cNvPr id="116" name="立方體 115"/>
+            <p:cNvSpPr/>
+            <p:nvPr/>
+          </p:nvSpPr>
+          <p:spPr>
+            <a:xfrm>
+              <a:off x="10556235" y="8024929"/>
+              <a:ext cx="309493" cy="274320"/>
+            </a:xfrm>
+            <a:prstGeom prst="cube">
+              <a:avLst/>
+            </a:prstGeom>
+            <a:ln w="19050">
+              <a:solidFill>
+                <a:srgbClr val="7030A0"/>
+              </a:solidFill>
+            </a:ln>
+          </p:spPr>
+          <p:style>
+            <a:lnRef idx="2">
+              <a:schemeClr val="accent1">
+                <a:shade val="50000"/>
+              </a:schemeClr>
+            </a:lnRef>
+            <a:fillRef idx="1">
+              <a:schemeClr val="accent1"/>
+            </a:fillRef>
+            <a:effectRef idx="0">
+              <a:schemeClr val="accent1"/>
+            </a:effectRef>
+            <a:fontRef idx="minor">
+              <a:schemeClr val="lt1"/>
+            </a:fontRef>
+          </p:style>
+          <p:txBody>
+            <a:bodyPr rtlCol="0" anchor="ctr"/>
+            <a:lstStyle/>
+            <a:p>
+              <a:pPr algn="ctr"/>
+              <a:endParaRPr lang="zh-TW" altLang="en-US"/>
+            </a:p>
+          </p:txBody>
+        </p:sp>
+      </p:grpSp>
+      <p:cxnSp>
+        <p:nvCxnSpPr>
+          <p:cNvPr id="118" name="直線單箭頭接點 117"/>
+          <p:cNvCxnSpPr>
+            <a:stCxn id="81" idx="1"/>
+            <a:endCxn id="166" idx="3"/>
+          </p:cNvCxnSpPr>
+          <p:nvPr/>
+        </p:nvCxnSpPr>
+        <p:spPr>
+          <a:xfrm flipV="1">
+            <a:off x="10714390" y="9037088"/>
+            <a:ext cx="24764" cy="701606"/>
+          </a:xfrm>
+          <a:prstGeom prst="straightConnector1">
+            <a:avLst/>
+          </a:prstGeom>
+          <a:ln w="57150">
+            <a:solidFill>
+              <a:srgbClr val="FF0066"/>
+            </a:solidFill>
+            <a:tailEnd type="triangle"/>
+          </a:ln>
+        </p:spPr>
+        <p:style>
+          <a:lnRef idx="1">
+            <a:schemeClr val="accent1"/>
+          </a:lnRef>
+          <a:fillRef idx="0">
+            <a:schemeClr val="accent1"/>
+          </a:fillRef>
+          <a:effectRef idx="0">
+            <a:schemeClr val="accent1"/>
+          </a:effectRef>
+          <a:fontRef idx="minor">
+            <a:schemeClr val="tx1"/>
+          </a:fontRef>
+        </p:style>
+      </p:cxnSp>
+      <p:grpSp>
+        <p:nvGrpSpPr>
+          <p:cNvPr id="171" name="群組 170"/>
+          <p:cNvGrpSpPr/>
+          <p:nvPr/>
+        </p:nvGrpSpPr>
+        <p:grpSpPr>
+          <a:xfrm>
+            <a:off x="9977963" y="7858784"/>
+            <a:ext cx="1340535" cy="1178304"/>
+            <a:chOff x="14193375" y="7300465"/>
+            <a:chExt cx="1340535" cy="1178304"/>
+          </a:xfrm>
+        </p:grpSpPr>
+        <p:grpSp>
+          <p:nvGrpSpPr>
+            <p:cNvPr id="137" name="群組 136"/>
+            <p:cNvGrpSpPr/>
+            <p:nvPr/>
+          </p:nvGrpSpPr>
+          <p:grpSpPr>
+            <a:xfrm>
+              <a:off x="14266183" y="7300465"/>
+              <a:ext cx="1267727" cy="1107688"/>
+              <a:chOff x="9606008" y="7191626"/>
+              <a:chExt cx="1267727" cy="1107688"/>
+            </a:xfrm>
+          </p:grpSpPr>
+          <p:sp>
+            <p:nvSpPr>
+              <p:cNvPr id="138" name="立方體 137"/>
+              <p:cNvSpPr/>
+              <p:nvPr/>
+            </p:nvSpPr>
+            <p:spPr>
+              <a:xfrm>
+                <a:off x="9606009" y="7740266"/>
+                <a:ext cx="309493" cy="274320"/>
+              </a:xfrm>
+              <a:prstGeom prst="cube">
+                <a:avLst/>
+              </a:prstGeom>
+              <a:ln w="19050">
+                <a:solidFill>
+                  <a:srgbClr val="7030A0"/>
+                </a:solidFill>
+              </a:ln>
+            </p:spPr>
+            <p:style>
+              <a:lnRef idx="2">
+                <a:schemeClr val="accent1">
+                  <a:shade val="50000"/>
+                </a:schemeClr>
+              </a:lnRef>
+              <a:fillRef idx="1">
+                <a:schemeClr val="accent1"/>
+              </a:fillRef>
+              <a:effectRef idx="0">
+                <a:schemeClr val="accent1"/>
+              </a:effectRef>
+              <a:fontRef idx="minor">
+                <a:schemeClr val="lt1"/>
+              </a:fontRef>
+            </p:style>
+            <p:txBody>
+              <a:bodyPr rtlCol="0" anchor="ctr"/>
+              <a:lstStyle/>
+              <a:p>
+                <a:pPr algn="ctr"/>
+                <a:endParaRPr lang="zh-TW" altLang="en-US"/>
+              </a:p>
+            </p:txBody>
+          </p:sp>
+          <p:sp>
+            <p:nvSpPr>
+              <p:cNvPr id="139" name="立方體 138"/>
+              <p:cNvSpPr/>
+              <p:nvPr/>
+            </p:nvSpPr>
+            <p:spPr>
+              <a:xfrm>
+                <a:off x="9606008" y="7465946"/>
+                <a:ext cx="309493" cy="274320"/>
+              </a:xfrm>
+              <a:prstGeom prst="cube">
+                <a:avLst/>
+              </a:prstGeom>
+              <a:ln w="19050">
+                <a:solidFill>
+                  <a:srgbClr val="7030A0"/>
+                </a:solidFill>
+              </a:ln>
+            </p:spPr>
+            <p:style>
+              <a:lnRef idx="2">
+                <a:schemeClr val="accent1">
+                  <a:shade val="50000"/>
+                </a:schemeClr>
+              </a:lnRef>
+              <a:fillRef idx="1">
+                <a:schemeClr val="accent1"/>
+              </a:fillRef>
+              <a:effectRef idx="0">
+                <a:schemeClr val="accent1"/>
+              </a:effectRef>
+              <a:fontRef idx="minor">
+                <a:schemeClr val="lt1"/>
+              </a:fontRef>
+            </p:style>
+            <p:txBody>
+              <a:bodyPr rtlCol="0" anchor="ctr"/>
+              <a:lstStyle/>
+              <a:p>
+                <a:pPr algn="ctr"/>
+                <a:endParaRPr lang="zh-TW" altLang="en-US"/>
+              </a:p>
+            </p:txBody>
+          </p:sp>
+          <p:sp>
+            <p:nvSpPr>
+              <p:cNvPr id="140" name="立方體 139"/>
+              <p:cNvSpPr/>
+              <p:nvPr/>
+            </p:nvSpPr>
+            <p:spPr>
+              <a:xfrm>
+                <a:off x="9614015" y="7191691"/>
+                <a:ext cx="309493" cy="274320"/>
+              </a:xfrm>
+              <a:prstGeom prst="cube">
+                <a:avLst/>
+              </a:prstGeom>
+              <a:ln w="19050">
+                <a:solidFill>
+                  <a:srgbClr val="7030A0"/>
+                </a:solidFill>
+              </a:ln>
+            </p:spPr>
+            <p:style>
+              <a:lnRef idx="2">
+                <a:schemeClr val="accent1">
+                  <a:shade val="50000"/>
+                </a:schemeClr>
+              </a:lnRef>
+              <a:fillRef idx="1">
+                <a:schemeClr val="accent1"/>
+              </a:fillRef>
+              <a:effectRef idx="0">
+                <a:schemeClr val="accent1"/>
+              </a:effectRef>
+              <a:fontRef idx="minor">
+                <a:schemeClr val="lt1"/>
+              </a:fontRef>
+            </p:style>
+            <p:txBody>
+              <a:bodyPr rtlCol="0" anchor="ctr"/>
+              <a:lstStyle/>
+              <a:p>
+                <a:pPr algn="ctr"/>
+                <a:endParaRPr lang="zh-TW" altLang="en-US"/>
+              </a:p>
+            </p:txBody>
+          </p:sp>
+          <p:sp>
+            <p:nvSpPr>
+              <p:cNvPr id="141" name="立方體 140"/>
+              <p:cNvSpPr/>
+              <p:nvPr/>
+            </p:nvSpPr>
+            <p:spPr>
+              <a:xfrm>
+                <a:off x="9929243" y="7740266"/>
+                <a:ext cx="309493" cy="274320"/>
+              </a:xfrm>
+              <a:prstGeom prst="cube">
+                <a:avLst/>
+              </a:prstGeom>
+              <a:ln w="19050">
+                <a:solidFill>
+                  <a:srgbClr val="7030A0"/>
+                </a:solidFill>
+              </a:ln>
+            </p:spPr>
+            <p:style>
+              <a:lnRef idx="2">
+                <a:schemeClr val="accent1">
+                  <a:shade val="50000"/>
+                </a:schemeClr>
+              </a:lnRef>
+              <a:fillRef idx="1">
+                <a:schemeClr val="accent1"/>
+              </a:fillRef>
+              <a:effectRef idx="0">
+                <a:schemeClr val="accent1"/>
+              </a:effectRef>
+              <a:fontRef idx="minor">
+                <a:schemeClr val="lt1"/>
+              </a:fontRef>
+            </p:style>
+            <p:txBody>
+              <a:bodyPr rtlCol="0" anchor="ctr"/>
+              <a:lstStyle/>
+              <a:p>
+                <a:pPr algn="ctr"/>
+                <a:endParaRPr lang="zh-TW" altLang="en-US"/>
+              </a:p>
+            </p:txBody>
+          </p:sp>
+          <p:sp>
+            <p:nvSpPr>
+              <p:cNvPr id="142" name="立方體 141"/>
+              <p:cNvSpPr/>
+              <p:nvPr/>
+            </p:nvSpPr>
+            <p:spPr>
+              <a:xfrm>
+                <a:off x="9929242" y="7465946"/>
+                <a:ext cx="309493" cy="274320"/>
+              </a:xfrm>
+              <a:prstGeom prst="cube">
+                <a:avLst/>
+              </a:prstGeom>
+              <a:ln w="19050">
+                <a:solidFill>
+                  <a:srgbClr val="7030A0"/>
+                </a:solidFill>
+              </a:ln>
+            </p:spPr>
+            <p:style>
+              <a:lnRef idx="2">
+                <a:schemeClr val="accent1">
+                  <a:shade val="50000"/>
+                </a:schemeClr>
+              </a:lnRef>
+              <a:fillRef idx="1">
+                <a:schemeClr val="accent1"/>
+              </a:fillRef>
+              <a:effectRef idx="0">
+                <a:schemeClr val="accent1"/>
+              </a:effectRef>
+              <a:fontRef idx="minor">
+                <a:schemeClr val="lt1"/>
+              </a:fontRef>
+            </p:style>
+            <p:txBody>
+              <a:bodyPr rtlCol="0" anchor="ctr"/>
+              <a:lstStyle/>
+              <a:p>
+                <a:pPr algn="ctr"/>
+                <a:endParaRPr lang="zh-TW" altLang="en-US"/>
+              </a:p>
+            </p:txBody>
+          </p:sp>
+          <p:sp>
+            <p:nvSpPr>
+              <p:cNvPr id="143" name="立方體 142"/>
+              <p:cNvSpPr/>
+              <p:nvPr/>
+            </p:nvSpPr>
+            <p:spPr>
+              <a:xfrm>
+                <a:off x="9937249" y="7191691"/>
+                <a:ext cx="309493" cy="274320"/>
+              </a:xfrm>
+              <a:prstGeom prst="cube">
+                <a:avLst/>
+              </a:prstGeom>
+              <a:ln w="19050">
+                <a:solidFill>
+                  <a:srgbClr val="7030A0"/>
+                </a:solidFill>
+              </a:ln>
+            </p:spPr>
+            <p:style>
+              <a:lnRef idx="2">
+                <a:schemeClr val="accent1">
+                  <a:shade val="50000"/>
+                </a:schemeClr>
+              </a:lnRef>
+              <a:fillRef idx="1">
+                <a:schemeClr val="accent1"/>
+              </a:fillRef>
+              <a:effectRef idx="0">
+                <a:schemeClr val="accent1"/>
+              </a:effectRef>
+              <a:fontRef idx="minor">
+                <a:schemeClr val="lt1"/>
+              </a:fontRef>
+            </p:style>
+            <p:txBody>
+              <a:bodyPr rtlCol="0" anchor="ctr"/>
+              <a:lstStyle/>
+              <a:p>
+                <a:pPr algn="ctr"/>
+                <a:endParaRPr lang="zh-TW" altLang="en-US"/>
+              </a:p>
+            </p:txBody>
+          </p:sp>
+          <p:sp>
+            <p:nvSpPr>
+              <p:cNvPr id="144" name="立方體 143"/>
+              <p:cNvSpPr/>
+              <p:nvPr/>
+            </p:nvSpPr>
+            <p:spPr>
+              <a:xfrm>
+                <a:off x="10246743" y="7740266"/>
+                <a:ext cx="309493" cy="274320"/>
+              </a:xfrm>
+              <a:prstGeom prst="cube">
+                <a:avLst/>
+              </a:prstGeom>
+              <a:ln w="19050">
+                <a:solidFill>
+                  <a:srgbClr val="7030A0"/>
+                </a:solidFill>
+              </a:ln>
+            </p:spPr>
+            <p:style>
+              <a:lnRef idx="2">
+                <a:schemeClr val="accent1">
+                  <a:shade val="50000"/>
+                </a:schemeClr>
+              </a:lnRef>
+              <a:fillRef idx="1">
+                <a:schemeClr val="accent1"/>
+              </a:fillRef>
+              <a:effectRef idx="0">
+                <a:schemeClr val="accent1"/>
+              </a:effectRef>
+              <a:fontRef idx="minor">
+                <a:schemeClr val="lt1"/>
+              </a:fontRef>
+            </p:style>
+            <p:txBody>
+              <a:bodyPr rtlCol="0" anchor="ctr"/>
+              <a:lstStyle/>
+              <a:p>
+                <a:pPr algn="ctr"/>
+                <a:endParaRPr lang="zh-TW" altLang="en-US"/>
+              </a:p>
+            </p:txBody>
+          </p:sp>
+          <p:sp>
+            <p:nvSpPr>
+              <p:cNvPr id="145" name="立方體 144"/>
+              <p:cNvSpPr/>
+              <p:nvPr/>
+            </p:nvSpPr>
+            <p:spPr>
+              <a:xfrm>
+                <a:off x="10246742" y="7465946"/>
+                <a:ext cx="309493" cy="274320"/>
+              </a:xfrm>
+              <a:prstGeom prst="cube">
+                <a:avLst/>
+              </a:prstGeom>
+              <a:ln w="19050">
+                <a:solidFill>
+                  <a:srgbClr val="7030A0"/>
+                </a:solidFill>
+              </a:ln>
+            </p:spPr>
+            <p:style>
+              <a:lnRef idx="2">
+                <a:schemeClr val="accent1">
+                  <a:shade val="50000"/>
+                </a:schemeClr>
+              </a:lnRef>
+              <a:fillRef idx="1">
+                <a:schemeClr val="accent1"/>
+              </a:fillRef>
+              <a:effectRef idx="0">
+                <a:schemeClr val="accent1"/>
+              </a:effectRef>
+              <a:fontRef idx="minor">
+                <a:schemeClr val="lt1"/>
+              </a:fontRef>
+            </p:style>
+            <p:txBody>
+              <a:bodyPr rtlCol="0" anchor="ctr"/>
+              <a:lstStyle/>
+              <a:p>
+                <a:pPr algn="ctr"/>
+                <a:endParaRPr lang="zh-TW" altLang="en-US"/>
+              </a:p>
+            </p:txBody>
+          </p:sp>
+          <p:sp>
+            <p:nvSpPr>
+              <p:cNvPr id="146" name="立方體 145"/>
+              <p:cNvSpPr/>
+              <p:nvPr/>
+            </p:nvSpPr>
+            <p:spPr>
+              <a:xfrm>
+                <a:off x="10254749" y="7191691"/>
+                <a:ext cx="309493" cy="274320"/>
+              </a:xfrm>
+              <a:prstGeom prst="cube">
+                <a:avLst/>
+              </a:prstGeom>
+              <a:ln w="19050">
+                <a:solidFill>
+                  <a:srgbClr val="7030A0"/>
+                </a:solidFill>
+              </a:ln>
+            </p:spPr>
+            <p:style>
+              <a:lnRef idx="2">
+                <a:schemeClr val="accent1">
+                  <a:shade val="50000"/>
+                </a:schemeClr>
+              </a:lnRef>
+              <a:fillRef idx="1">
+                <a:schemeClr val="accent1"/>
+              </a:fillRef>
+              <a:effectRef idx="0">
+                <a:schemeClr val="accent1"/>
+              </a:effectRef>
+              <a:fontRef idx="minor">
+                <a:schemeClr val="lt1"/>
+              </a:fontRef>
+            </p:style>
+            <p:txBody>
+              <a:bodyPr rtlCol="0" anchor="ctr"/>
+              <a:lstStyle/>
+              <a:p>
+                <a:pPr algn="ctr"/>
+                <a:endParaRPr lang="zh-TW" altLang="en-US"/>
+              </a:p>
+            </p:txBody>
+          </p:sp>
+          <p:sp>
+            <p:nvSpPr>
+              <p:cNvPr id="147" name="立方體 146"/>
+              <p:cNvSpPr/>
+              <p:nvPr/>
+            </p:nvSpPr>
+            <p:spPr>
+              <a:xfrm>
+                <a:off x="9606008" y="8024994"/>
+                <a:ext cx="309493" cy="274320"/>
+              </a:xfrm>
+              <a:prstGeom prst="cube">
+                <a:avLst/>
+              </a:prstGeom>
+              <a:ln w="19050">
+                <a:solidFill>
+                  <a:srgbClr val="7030A0"/>
+                </a:solidFill>
+              </a:ln>
+            </p:spPr>
+            <p:style>
+              <a:lnRef idx="2">
+                <a:schemeClr val="accent1">
+                  <a:shade val="50000"/>
+                </a:schemeClr>
+              </a:lnRef>
+              <a:fillRef idx="1">
+                <a:schemeClr val="accent1"/>
+              </a:fillRef>
+              <a:effectRef idx="0">
+                <a:schemeClr val="accent1"/>
+              </a:effectRef>
+              <a:fontRef idx="minor">
+                <a:schemeClr val="lt1"/>
+              </a:fontRef>
+            </p:style>
+            <p:txBody>
+              <a:bodyPr rtlCol="0" anchor="ctr"/>
+              <a:lstStyle/>
+              <a:p>
+                <a:pPr algn="ctr"/>
+                <a:endParaRPr lang="zh-TW" altLang="en-US"/>
+              </a:p>
+            </p:txBody>
+          </p:sp>
+          <p:sp>
+            <p:nvSpPr>
+              <p:cNvPr id="148" name="立方體 147"/>
+              <p:cNvSpPr/>
+              <p:nvPr/>
+            </p:nvSpPr>
+            <p:spPr>
+              <a:xfrm>
+                <a:off x="9929242" y="8024994"/>
+                <a:ext cx="309493" cy="274320"/>
+              </a:xfrm>
+              <a:prstGeom prst="cube">
+                <a:avLst/>
+              </a:prstGeom>
+              <a:ln w="19050">
+                <a:solidFill>
+                  <a:srgbClr val="7030A0"/>
+                </a:solidFill>
+              </a:ln>
+            </p:spPr>
+            <p:style>
+              <a:lnRef idx="2">
+                <a:schemeClr val="accent1">
+                  <a:shade val="50000"/>
+                </a:schemeClr>
+              </a:lnRef>
+              <a:fillRef idx="1">
+                <a:schemeClr val="accent1"/>
+              </a:fillRef>
+              <a:effectRef idx="0">
+                <a:schemeClr val="accent1"/>
+              </a:effectRef>
+              <a:fontRef idx="minor">
+                <a:schemeClr val="lt1"/>
+              </a:fontRef>
+            </p:style>
+            <p:txBody>
+              <a:bodyPr rtlCol="0" anchor="ctr"/>
+              <a:lstStyle/>
+              <a:p>
+                <a:pPr algn="ctr"/>
+                <a:endParaRPr lang="zh-TW" altLang="en-US"/>
+              </a:p>
+            </p:txBody>
+          </p:sp>
+          <p:sp>
+            <p:nvSpPr>
+              <p:cNvPr id="149" name="立方體 148"/>
+              <p:cNvSpPr/>
+              <p:nvPr/>
+            </p:nvSpPr>
+            <p:spPr>
+              <a:xfrm>
+                <a:off x="10246742" y="8024994"/>
+                <a:ext cx="309493" cy="274320"/>
+              </a:xfrm>
+              <a:prstGeom prst="cube">
+                <a:avLst/>
+              </a:prstGeom>
+              <a:ln w="19050">
+                <a:solidFill>
+                  <a:srgbClr val="7030A0"/>
+                </a:solidFill>
+              </a:ln>
+            </p:spPr>
+            <p:style>
+              <a:lnRef idx="2">
+                <a:schemeClr val="accent1">
+                  <a:shade val="50000"/>
+                </a:schemeClr>
+              </a:lnRef>
+              <a:fillRef idx="1">
+                <a:schemeClr val="accent1"/>
+              </a:fillRef>
+              <a:effectRef idx="0">
+                <a:schemeClr val="accent1"/>
+              </a:effectRef>
+              <a:fontRef idx="minor">
+                <a:schemeClr val="lt1"/>
+              </a:fontRef>
+            </p:style>
+            <p:txBody>
+              <a:bodyPr rtlCol="0" anchor="ctr"/>
+              <a:lstStyle/>
+              <a:p>
+                <a:pPr algn="ctr"/>
+                <a:endParaRPr lang="zh-TW" altLang="en-US"/>
+              </a:p>
+            </p:txBody>
+          </p:sp>
+          <p:sp>
+            <p:nvSpPr>
+              <p:cNvPr id="150" name="立方體 149"/>
+              <p:cNvSpPr/>
+              <p:nvPr/>
+            </p:nvSpPr>
+            <p:spPr>
+              <a:xfrm>
+                <a:off x="10556236" y="7740201"/>
+                <a:ext cx="309493" cy="274320"/>
+              </a:xfrm>
+              <a:prstGeom prst="cube">
+                <a:avLst/>
+              </a:prstGeom>
+              <a:ln w="19050">
+                <a:solidFill>
+                  <a:srgbClr val="7030A0"/>
+                </a:solidFill>
+              </a:ln>
+            </p:spPr>
+            <p:style>
+              <a:lnRef idx="2">
+                <a:schemeClr val="accent1">
+                  <a:shade val="50000"/>
+                </a:schemeClr>
+              </a:lnRef>
+              <a:fillRef idx="1">
+                <a:schemeClr val="accent1"/>
+              </a:fillRef>
+              <a:effectRef idx="0">
+                <a:schemeClr val="accent1"/>
+              </a:effectRef>
+              <a:fontRef idx="minor">
+                <a:schemeClr val="lt1"/>
+              </a:fontRef>
+            </p:style>
+            <p:txBody>
+              <a:bodyPr rtlCol="0" anchor="ctr"/>
+              <a:lstStyle/>
+              <a:p>
+                <a:pPr algn="ctr"/>
+                <a:endParaRPr lang="zh-TW" altLang="en-US"/>
+              </a:p>
+            </p:txBody>
+          </p:sp>
+          <p:sp>
+            <p:nvSpPr>
+              <p:cNvPr id="151" name="立方體 150"/>
+              <p:cNvSpPr/>
+              <p:nvPr/>
+            </p:nvSpPr>
+            <p:spPr>
+              <a:xfrm>
+                <a:off x="10556235" y="7465881"/>
+                <a:ext cx="309493" cy="274320"/>
+              </a:xfrm>
+              <a:prstGeom prst="cube">
+                <a:avLst/>
+              </a:prstGeom>
+              <a:ln w="19050">
+                <a:solidFill>
+                  <a:srgbClr val="7030A0"/>
+                </a:solidFill>
+              </a:ln>
+            </p:spPr>
+            <p:style>
+              <a:lnRef idx="2">
+                <a:schemeClr val="accent1">
+                  <a:shade val="50000"/>
+                </a:schemeClr>
+              </a:lnRef>
+              <a:fillRef idx="1">
+                <a:schemeClr val="accent1"/>
+              </a:fillRef>
+              <a:effectRef idx="0">
+                <a:schemeClr val="accent1"/>
+              </a:effectRef>
+              <a:fontRef idx="minor">
+                <a:schemeClr val="lt1"/>
+              </a:fontRef>
+            </p:style>
+            <p:txBody>
+              <a:bodyPr rtlCol="0" anchor="ctr"/>
+              <a:lstStyle/>
+              <a:p>
+                <a:pPr algn="ctr"/>
+                <a:endParaRPr lang="zh-TW" altLang="en-US"/>
+              </a:p>
+            </p:txBody>
+          </p:sp>
+          <p:sp>
+            <p:nvSpPr>
+              <p:cNvPr id="152" name="立方體 151"/>
+              <p:cNvSpPr/>
+              <p:nvPr/>
+            </p:nvSpPr>
+            <p:spPr>
+              <a:xfrm>
+                <a:off x="10564242" y="7191626"/>
+                <a:ext cx="309493" cy="274320"/>
+              </a:xfrm>
+              <a:prstGeom prst="cube">
+                <a:avLst/>
+              </a:prstGeom>
+              <a:ln w="19050">
+                <a:solidFill>
+                  <a:srgbClr val="7030A0"/>
+                </a:solidFill>
+              </a:ln>
+            </p:spPr>
+            <p:style>
+              <a:lnRef idx="2">
+                <a:schemeClr val="accent1">
+                  <a:shade val="50000"/>
+                </a:schemeClr>
+              </a:lnRef>
+              <a:fillRef idx="1">
+                <a:schemeClr val="accent1"/>
+              </a:fillRef>
+              <a:effectRef idx="0">
+                <a:schemeClr val="accent1"/>
+              </a:effectRef>
+              <a:fontRef idx="minor">
+                <a:schemeClr val="lt1"/>
+              </a:fontRef>
+            </p:style>
+            <p:txBody>
+              <a:bodyPr rtlCol="0" anchor="ctr"/>
+              <a:lstStyle/>
+              <a:p>
+                <a:pPr algn="ctr"/>
+                <a:endParaRPr lang="zh-TW" altLang="en-US"/>
+              </a:p>
+            </p:txBody>
+          </p:sp>
+          <p:sp>
+            <p:nvSpPr>
+              <p:cNvPr id="153" name="立方體 152"/>
+              <p:cNvSpPr/>
+              <p:nvPr/>
+            </p:nvSpPr>
+            <p:spPr>
+              <a:xfrm>
+                <a:off x="10556235" y="8024929"/>
+                <a:ext cx="309493" cy="274320"/>
+              </a:xfrm>
+              <a:prstGeom prst="cube">
+                <a:avLst/>
+              </a:prstGeom>
+              <a:ln w="19050">
+                <a:solidFill>
+                  <a:srgbClr val="7030A0"/>
+                </a:solidFill>
+              </a:ln>
+            </p:spPr>
+            <p:style>
+              <a:lnRef idx="2">
+                <a:schemeClr val="accent1">
+                  <a:shade val="50000"/>
+                </a:schemeClr>
+              </a:lnRef>
+              <a:fillRef idx="1">
+                <a:schemeClr val="accent1"/>
+              </a:fillRef>
+              <a:effectRef idx="0">
+                <a:schemeClr val="accent1"/>
+              </a:effectRef>
+              <a:fontRef idx="minor">
+                <a:schemeClr val="lt1"/>
+              </a:fontRef>
+            </p:style>
+            <p:txBody>
+              <a:bodyPr rtlCol="0" anchor="ctr"/>
+              <a:lstStyle/>
+              <a:p>
+                <a:pPr algn="ctr"/>
+                <a:endParaRPr lang="zh-TW" altLang="en-US"/>
+              </a:p>
+            </p:txBody>
+          </p:sp>
+        </p:grpSp>
+        <p:grpSp>
+          <p:nvGrpSpPr>
+            <p:cNvPr id="154" name="群組 153"/>
+            <p:cNvGrpSpPr/>
+            <p:nvPr/>
+          </p:nvGrpSpPr>
+          <p:grpSpPr>
+            <a:xfrm>
+              <a:off x="14193375" y="7371081"/>
+              <a:ext cx="1267727" cy="1107688"/>
+              <a:chOff x="9606008" y="7191626"/>
+              <a:chExt cx="1267727" cy="1107688"/>
+            </a:xfrm>
+          </p:grpSpPr>
+          <p:sp>
+            <p:nvSpPr>
+              <p:cNvPr id="155" name="立方體 154"/>
+              <p:cNvSpPr/>
+              <p:nvPr/>
+            </p:nvSpPr>
+            <p:spPr>
+              <a:xfrm>
+                <a:off x="9606009" y="7740266"/>
+                <a:ext cx="309493" cy="274320"/>
+              </a:xfrm>
+              <a:prstGeom prst="cube">
+                <a:avLst/>
+              </a:prstGeom>
+              <a:ln w="19050">
+                <a:solidFill>
+                  <a:schemeClr val="accent2"/>
+                </a:solidFill>
+              </a:ln>
+            </p:spPr>
+            <p:style>
+              <a:lnRef idx="2">
+                <a:schemeClr val="accent1">
+                  <a:shade val="50000"/>
+                </a:schemeClr>
+              </a:lnRef>
+              <a:fillRef idx="1">
+                <a:schemeClr val="accent1"/>
+              </a:fillRef>
+              <a:effectRef idx="0">
+                <a:schemeClr val="accent1"/>
+              </a:effectRef>
+              <a:fontRef idx="minor">
+                <a:schemeClr val="lt1"/>
+              </a:fontRef>
+            </p:style>
+            <p:txBody>
+              <a:bodyPr rtlCol="0" anchor="ctr"/>
+              <a:lstStyle/>
+              <a:p>
+                <a:pPr algn="ctr"/>
+                <a:endParaRPr lang="zh-TW" altLang="en-US"/>
+              </a:p>
+            </p:txBody>
+          </p:sp>
+          <p:sp>
+            <p:nvSpPr>
+              <p:cNvPr id="156" name="立方體 155"/>
+              <p:cNvSpPr/>
+              <p:nvPr/>
+            </p:nvSpPr>
+            <p:spPr>
+              <a:xfrm>
+                <a:off x="9606008" y="7465946"/>
+                <a:ext cx="309493" cy="274320"/>
+              </a:xfrm>
+              <a:prstGeom prst="cube">
+                <a:avLst/>
+              </a:prstGeom>
+              <a:ln w="19050">
+                <a:solidFill>
+                  <a:schemeClr val="accent2"/>
+                </a:solidFill>
+              </a:ln>
+            </p:spPr>
+            <p:style>
+              <a:lnRef idx="2">
+                <a:schemeClr val="accent1">
+                  <a:shade val="50000"/>
+                </a:schemeClr>
+              </a:lnRef>
+              <a:fillRef idx="1">
+                <a:schemeClr val="accent1"/>
+              </a:fillRef>
+              <a:effectRef idx="0">
+                <a:schemeClr val="accent1"/>
+              </a:effectRef>
+              <a:fontRef idx="minor">
+                <a:schemeClr val="lt1"/>
+              </a:fontRef>
+            </p:style>
+            <p:txBody>
+              <a:bodyPr rtlCol="0" anchor="ctr"/>
+              <a:lstStyle/>
+              <a:p>
+                <a:pPr algn="ctr"/>
+                <a:endParaRPr lang="zh-TW" altLang="en-US"/>
+              </a:p>
+            </p:txBody>
+          </p:sp>
+          <p:sp>
+            <p:nvSpPr>
+              <p:cNvPr id="157" name="立方體 156"/>
+              <p:cNvSpPr/>
+              <p:nvPr/>
+            </p:nvSpPr>
+            <p:spPr>
+              <a:xfrm>
+                <a:off x="9614015" y="7191691"/>
+                <a:ext cx="309493" cy="274320"/>
+              </a:xfrm>
+              <a:prstGeom prst="cube">
+                <a:avLst/>
+              </a:prstGeom>
+              <a:ln w="19050">
+                <a:solidFill>
+                  <a:schemeClr val="accent2"/>
+                </a:solidFill>
+              </a:ln>
+            </p:spPr>
+            <p:style>
+              <a:lnRef idx="2">
+                <a:schemeClr val="accent1">
+                  <a:shade val="50000"/>
+                </a:schemeClr>
+              </a:lnRef>
+              <a:fillRef idx="1">
+                <a:schemeClr val="accent1"/>
+              </a:fillRef>
+              <a:effectRef idx="0">
+                <a:schemeClr val="accent1"/>
+              </a:effectRef>
+              <a:fontRef idx="minor">
+                <a:schemeClr val="lt1"/>
+              </a:fontRef>
+            </p:style>
+            <p:txBody>
+              <a:bodyPr rtlCol="0" anchor="ctr"/>
+              <a:lstStyle/>
+              <a:p>
+                <a:pPr algn="ctr"/>
+                <a:endParaRPr lang="zh-TW" altLang="en-US"/>
+              </a:p>
+            </p:txBody>
+          </p:sp>
+          <p:sp>
+            <p:nvSpPr>
+              <p:cNvPr id="158" name="立方體 157"/>
+              <p:cNvSpPr/>
+              <p:nvPr/>
+            </p:nvSpPr>
+            <p:spPr>
+              <a:xfrm>
+                <a:off x="9929243" y="7740266"/>
+                <a:ext cx="309493" cy="274320"/>
+              </a:xfrm>
+              <a:prstGeom prst="cube">
+                <a:avLst/>
+              </a:prstGeom>
+              <a:ln w="19050">
+                <a:solidFill>
+                  <a:schemeClr val="accent2"/>
+                </a:solidFill>
+              </a:ln>
+            </p:spPr>
+            <p:style>
+              <a:lnRef idx="2">
+                <a:schemeClr val="accent1">
+                  <a:shade val="50000"/>
+                </a:schemeClr>
+              </a:lnRef>
+              <a:fillRef idx="1">
+                <a:schemeClr val="accent1"/>
+              </a:fillRef>
+              <a:effectRef idx="0">
+                <a:schemeClr val="accent1"/>
+              </a:effectRef>
+              <a:fontRef idx="minor">
+                <a:schemeClr val="lt1"/>
+              </a:fontRef>
+            </p:style>
+            <p:txBody>
+              <a:bodyPr rtlCol="0" anchor="ctr"/>
+              <a:lstStyle/>
+              <a:p>
+                <a:pPr algn="ctr"/>
+                <a:endParaRPr lang="zh-TW" altLang="en-US"/>
+              </a:p>
+            </p:txBody>
+          </p:sp>
+          <p:sp>
+            <p:nvSpPr>
+              <p:cNvPr id="159" name="立方體 158"/>
+              <p:cNvSpPr/>
+              <p:nvPr/>
+            </p:nvSpPr>
+            <p:spPr>
+              <a:xfrm>
+                <a:off x="9929242" y="7465946"/>
+                <a:ext cx="309493" cy="274320"/>
+              </a:xfrm>
+              <a:prstGeom prst="cube">
+                <a:avLst/>
+              </a:prstGeom>
+              <a:ln w="19050">
+                <a:solidFill>
+                  <a:schemeClr val="accent2"/>
+                </a:solidFill>
+              </a:ln>
+            </p:spPr>
+            <p:style>
+              <a:lnRef idx="2">
+                <a:schemeClr val="accent1">
+                  <a:shade val="50000"/>
+                </a:schemeClr>
+              </a:lnRef>
+              <a:fillRef idx="1">
+                <a:schemeClr val="accent1"/>
+              </a:fillRef>
+              <a:effectRef idx="0">
+                <a:schemeClr val="accent1"/>
+              </a:effectRef>
+              <a:fontRef idx="minor">
+                <a:schemeClr val="lt1"/>
+              </a:fontRef>
+            </p:style>
+            <p:txBody>
+              <a:bodyPr rtlCol="0" anchor="ctr"/>
+              <a:lstStyle/>
+              <a:p>
+                <a:pPr algn="ctr"/>
+                <a:endParaRPr lang="zh-TW" altLang="en-US"/>
+              </a:p>
+            </p:txBody>
+          </p:sp>
+          <p:sp>
+            <p:nvSpPr>
+              <p:cNvPr id="160" name="立方體 159"/>
+              <p:cNvSpPr/>
+              <p:nvPr/>
+            </p:nvSpPr>
+            <p:spPr>
+              <a:xfrm>
+                <a:off x="9937249" y="7191691"/>
+                <a:ext cx="309493" cy="274320"/>
+              </a:xfrm>
+              <a:prstGeom prst="cube">
+                <a:avLst/>
+              </a:prstGeom>
+              <a:ln w="19050">
+                <a:solidFill>
+                  <a:schemeClr val="accent2"/>
+                </a:solidFill>
+              </a:ln>
+            </p:spPr>
+            <p:style>
+              <a:lnRef idx="2">
+                <a:schemeClr val="accent1">
+                  <a:shade val="50000"/>
+                </a:schemeClr>
+              </a:lnRef>
+              <a:fillRef idx="1">
+                <a:schemeClr val="accent1"/>
+              </a:fillRef>
+              <a:effectRef idx="0">
+                <a:schemeClr val="accent1"/>
+              </a:effectRef>
+              <a:fontRef idx="minor">
+                <a:schemeClr val="lt1"/>
+              </a:fontRef>
+            </p:style>
+            <p:txBody>
+              <a:bodyPr rtlCol="0" anchor="ctr"/>
+              <a:lstStyle/>
+              <a:p>
+                <a:pPr algn="ctr"/>
+                <a:endParaRPr lang="zh-TW" altLang="en-US"/>
+              </a:p>
+            </p:txBody>
+          </p:sp>
+          <p:sp>
+            <p:nvSpPr>
+              <p:cNvPr id="161" name="立方體 160"/>
+              <p:cNvSpPr/>
+              <p:nvPr/>
+            </p:nvSpPr>
+            <p:spPr>
+              <a:xfrm>
+                <a:off x="10246743" y="7740266"/>
+                <a:ext cx="309493" cy="274320"/>
+              </a:xfrm>
+              <a:prstGeom prst="cube">
+                <a:avLst/>
+              </a:prstGeom>
+              <a:ln w="19050">
+                <a:solidFill>
+                  <a:schemeClr val="accent2"/>
+                </a:solidFill>
+              </a:ln>
+            </p:spPr>
+            <p:style>
+              <a:lnRef idx="2">
+                <a:schemeClr val="accent1">
+                  <a:shade val="50000"/>
+                </a:schemeClr>
+              </a:lnRef>
+              <a:fillRef idx="1">
+                <a:schemeClr val="accent1"/>
+              </a:fillRef>
+              <a:effectRef idx="0">
+                <a:schemeClr val="accent1"/>
+              </a:effectRef>
+              <a:fontRef idx="minor">
+                <a:schemeClr val="lt1"/>
+              </a:fontRef>
+            </p:style>
+            <p:txBody>
+              <a:bodyPr rtlCol="0" anchor="ctr"/>
+              <a:lstStyle/>
+              <a:p>
+                <a:pPr algn="ctr"/>
+                <a:endParaRPr lang="zh-TW" altLang="en-US"/>
+              </a:p>
+            </p:txBody>
+          </p:sp>
+          <p:sp>
+            <p:nvSpPr>
+              <p:cNvPr id="162" name="立方體 161"/>
+              <p:cNvSpPr/>
+              <p:nvPr/>
+            </p:nvSpPr>
+            <p:spPr>
+              <a:xfrm>
+                <a:off x="10246742" y="7465946"/>
+                <a:ext cx="309493" cy="274320"/>
+              </a:xfrm>
+              <a:prstGeom prst="cube">
+                <a:avLst/>
+              </a:prstGeom>
+              <a:ln w="19050">
+                <a:solidFill>
+                  <a:schemeClr val="accent2"/>
+                </a:solidFill>
+              </a:ln>
+            </p:spPr>
+            <p:style>
+              <a:lnRef idx="2">
+                <a:schemeClr val="accent1">
+                  <a:shade val="50000"/>
+                </a:schemeClr>
+              </a:lnRef>
+              <a:fillRef idx="1">
+                <a:schemeClr val="accent1"/>
+              </a:fillRef>
+              <a:effectRef idx="0">
+                <a:schemeClr val="accent1"/>
+              </a:effectRef>
+              <a:fontRef idx="minor">
+                <a:schemeClr val="lt1"/>
+              </a:fontRef>
+            </p:style>
+            <p:txBody>
+              <a:bodyPr rtlCol="0" anchor="ctr"/>
+              <a:lstStyle/>
+              <a:p>
+                <a:pPr algn="ctr"/>
+                <a:endParaRPr lang="zh-TW" altLang="en-US"/>
+              </a:p>
+            </p:txBody>
+          </p:sp>
+          <p:sp>
+            <p:nvSpPr>
+              <p:cNvPr id="163" name="立方體 162"/>
+              <p:cNvSpPr/>
+              <p:nvPr/>
+            </p:nvSpPr>
+            <p:spPr>
+              <a:xfrm>
+                <a:off x="10254749" y="7191691"/>
+                <a:ext cx="309493" cy="274320"/>
+              </a:xfrm>
+              <a:prstGeom prst="cube">
+                <a:avLst/>
+              </a:prstGeom>
+              <a:ln w="19050">
+                <a:solidFill>
+                  <a:schemeClr val="accent2"/>
+                </a:solidFill>
+              </a:ln>
+            </p:spPr>
+            <p:style>
+              <a:lnRef idx="2">
+                <a:schemeClr val="accent1">
+                  <a:shade val="50000"/>
+                </a:schemeClr>
+              </a:lnRef>
+              <a:fillRef idx="1">
+                <a:schemeClr val="accent1"/>
+              </a:fillRef>
+              <a:effectRef idx="0">
+                <a:schemeClr val="accent1"/>
+              </a:effectRef>
+              <a:fontRef idx="minor">
+                <a:schemeClr val="lt1"/>
+              </a:fontRef>
+            </p:style>
+            <p:txBody>
+              <a:bodyPr rtlCol="0" anchor="ctr"/>
+              <a:lstStyle/>
+              <a:p>
+                <a:pPr algn="ctr"/>
+                <a:endParaRPr lang="zh-TW" altLang="en-US"/>
+              </a:p>
+            </p:txBody>
+          </p:sp>
+          <p:sp>
+            <p:nvSpPr>
+              <p:cNvPr id="164" name="立方體 163"/>
+              <p:cNvSpPr/>
+              <p:nvPr/>
+            </p:nvSpPr>
+            <p:spPr>
+              <a:xfrm>
+                <a:off x="9606008" y="8024994"/>
+                <a:ext cx="309493" cy="274320"/>
+              </a:xfrm>
+              <a:prstGeom prst="cube">
+                <a:avLst/>
+              </a:prstGeom>
+              <a:ln w="19050">
+                <a:solidFill>
+                  <a:schemeClr val="accent2"/>
+                </a:solidFill>
+              </a:ln>
+            </p:spPr>
+            <p:style>
+              <a:lnRef idx="2">
+                <a:schemeClr val="accent1">
+                  <a:shade val="50000"/>
+                </a:schemeClr>
+              </a:lnRef>
+              <a:fillRef idx="1">
+                <a:schemeClr val="accent1"/>
+              </a:fillRef>
+              <a:effectRef idx="0">
+                <a:schemeClr val="accent1"/>
+              </a:effectRef>
+              <a:fontRef idx="minor">
+                <a:schemeClr val="lt1"/>
+              </a:fontRef>
+            </p:style>
+            <p:txBody>
+              <a:bodyPr rtlCol="0" anchor="ctr"/>
+              <a:lstStyle/>
+              <a:p>
+                <a:pPr algn="ctr"/>
+                <a:endParaRPr lang="zh-TW" altLang="en-US"/>
+              </a:p>
+            </p:txBody>
+          </p:sp>
+          <p:sp>
+            <p:nvSpPr>
+              <p:cNvPr id="165" name="立方體 164"/>
+              <p:cNvSpPr/>
+              <p:nvPr/>
+            </p:nvSpPr>
+            <p:spPr>
+              <a:xfrm>
+                <a:off x="9929242" y="8024994"/>
+                <a:ext cx="309493" cy="274320"/>
+              </a:xfrm>
+              <a:prstGeom prst="cube">
+                <a:avLst/>
+              </a:prstGeom>
+              <a:ln w="19050">
+                <a:solidFill>
+                  <a:schemeClr val="accent2"/>
+                </a:solidFill>
+              </a:ln>
+            </p:spPr>
+            <p:style>
+              <a:lnRef idx="2">
+                <a:schemeClr val="accent1">
+                  <a:shade val="50000"/>
+                </a:schemeClr>
+              </a:lnRef>
+              <a:fillRef idx="1">
+                <a:schemeClr val="accent1"/>
+              </a:fillRef>
+              <a:effectRef idx="0">
+                <a:schemeClr val="accent1"/>
+              </a:effectRef>
+              <a:fontRef idx="minor">
+                <a:schemeClr val="lt1"/>
+              </a:fontRef>
+            </p:style>
+            <p:txBody>
+              <a:bodyPr rtlCol="0" anchor="ctr"/>
+              <a:lstStyle/>
+              <a:p>
+                <a:pPr algn="ctr"/>
+                <a:endParaRPr lang="zh-TW" altLang="en-US"/>
+              </a:p>
+            </p:txBody>
+          </p:sp>
+          <p:sp>
+            <p:nvSpPr>
+              <p:cNvPr id="166" name="立方體 165"/>
+              <p:cNvSpPr/>
+              <p:nvPr/>
+            </p:nvSpPr>
+            <p:spPr>
+              <a:xfrm>
+                <a:off x="10246742" y="8024994"/>
+                <a:ext cx="309493" cy="274320"/>
+              </a:xfrm>
+              <a:prstGeom prst="cube">
+                <a:avLst/>
+              </a:prstGeom>
+              <a:ln w="19050">
+                <a:solidFill>
+                  <a:schemeClr val="accent2"/>
+                </a:solidFill>
+              </a:ln>
+            </p:spPr>
+            <p:style>
+              <a:lnRef idx="2">
+                <a:schemeClr val="accent1">
+                  <a:shade val="50000"/>
+                </a:schemeClr>
+              </a:lnRef>
+              <a:fillRef idx="1">
+                <a:schemeClr val="accent1"/>
+              </a:fillRef>
+              <a:effectRef idx="0">
+                <a:schemeClr val="accent1"/>
+              </a:effectRef>
+              <a:fontRef idx="minor">
+                <a:schemeClr val="lt1"/>
+              </a:fontRef>
+            </p:style>
+            <p:txBody>
+              <a:bodyPr rtlCol="0" anchor="ctr"/>
+              <a:lstStyle/>
+              <a:p>
+                <a:pPr algn="ctr"/>
+                <a:endParaRPr lang="zh-TW" altLang="en-US"/>
+              </a:p>
+            </p:txBody>
+          </p:sp>
+          <p:sp>
+            <p:nvSpPr>
+              <p:cNvPr id="167" name="立方體 166"/>
+              <p:cNvSpPr/>
+              <p:nvPr/>
+            </p:nvSpPr>
+            <p:spPr>
+              <a:xfrm>
+                <a:off x="10556236" y="7740201"/>
+                <a:ext cx="309493" cy="274320"/>
+              </a:xfrm>
+              <a:prstGeom prst="cube">
+                <a:avLst/>
+              </a:prstGeom>
+              <a:ln w="19050">
+                <a:solidFill>
+                  <a:schemeClr val="accent2"/>
+                </a:solidFill>
+              </a:ln>
+            </p:spPr>
+            <p:style>
+              <a:lnRef idx="2">
+                <a:schemeClr val="accent1">
+                  <a:shade val="50000"/>
+                </a:schemeClr>
+              </a:lnRef>
+              <a:fillRef idx="1">
+                <a:schemeClr val="accent1"/>
+              </a:fillRef>
+              <a:effectRef idx="0">
+                <a:schemeClr val="accent1"/>
+              </a:effectRef>
+              <a:fontRef idx="minor">
+                <a:schemeClr val="lt1"/>
+              </a:fontRef>
+            </p:style>
+            <p:txBody>
+              <a:bodyPr rtlCol="0" anchor="ctr"/>
+              <a:lstStyle/>
+              <a:p>
+                <a:pPr algn="ctr"/>
+                <a:endParaRPr lang="zh-TW" altLang="en-US"/>
+              </a:p>
+            </p:txBody>
+          </p:sp>
+          <p:sp>
+            <p:nvSpPr>
+              <p:cNvPr id="168" name="立方體 167"/>
+              <p:cNvSpPr/>
+              <p:nvPr/>
+            </p:nvSpPr>
+            <p:spPr>
+              <a:xfrm>
+                <a:off x="10556235" y="7465881"/>
+                <a:ext cx="309493" cy="274320"/>
+              </a:xfrm>
+              <a:prstGeom prst="cube">
+                <a:avLst/>
+              </a:prstGeom>
+              <a:ln w="19050">
+                <a:solidFill>
+                  <a:schemeClr val="accent2"/>
+                </a:solidFill>
+              </a:ln>
+            </p:spPr>
+            <p:style>
+              <a:lnRef idx="2">
+                <a:schemeClr val="accent1">
+                  <a:shade val="50000"/>
+                </a:schemeClr>
+              </a:lnRef>
+              <a:fillRef idx="1">
+                <a:schemeClr val="accent1"/>
+              </a:fillRef>
+              <a:effectRef idx="0">
+                <a:schemeClr val="accent1"/>
+              </a:effectRef>
+              <a:fontRef idx="minor">
+                <a:schemeClr val="lt1"/>
+              </a:fontRef>
+            </p:style>
+            <p:txBody>
+              <a:bodyPr rtlCol="0" anchor="ctr"/>
+              <a:lstStyle/>
+              <a:p>
+                <a:pPr algn="ctr"/>
+                <a:endParaRPr lang="zh-TW" altLang="en-US"/>
+              </a:p>
+            </p:txBody>
+          </p:sp>
+          <p:sp>
+            <p:nvSpPr>
+              <p:cNvPr id="169" name="立方體 168"/>
+              <p:cNvSpPr/>
+              <p:nvPr/>
+            </p:nvSpPr>
+            <p:spPr>
+              <a:xfrm>
+                <a:off x="10564242" y="7191626"/>
+                <a:ext cx="309493" cy="274320"/>
+              </a:xfrm>
+              <a:prstGeom prst="cube">
+                <a:avLst/>
+              </a:prstGeom>
+              <a:ln w="19050">
+                <a:solidFill>
+                  <a:schemeClr val="accent2"/>
+                </a:solidFill>
+              </a:ln>
+            </p:spPr>
+            <p:style>
+              <a:lnRef idx="2">
+                <a:schemeClr val="accent1">
+                  <a:shade val="50000"/>
+                </a:schemeClr>
+              </a:lnRef>
+              <a:fillRef idx="1">
+                <a:schemeClr val="accent1"/>
+              </a:fillRef>
+              <a:effectRef idx="0">
+                <a:schemeClr val="accent1"/>
+              </a:effectRef>
+              <a:fontRef idx="minor">
+                <a:schemeClr val="lt1"/>
+              </a:fontRef>
+            </p:style>
+            <p:txBody>
+              <a:bodyPr rtlCol="0" anchor="ctr"/>
+              <a:lstStyle/>
+              <a:p>
+                <a:pPr algn="ctr"/>
+                <a:endParaRPr lang="zh-TW" altLang="en-US"/>
+              </a:p>
+            </p:txBody>
+          </p:sp>
+          <p:sp>
+            <p:nvSpPr>
+              <p:cNvPr id="170" name="立方體 169"/>
+              <p:cNvSpPr/>
+              <p:nvPr/>
+            </p:nvSpPr>
+            <p:spPr>
+              <a:xfrm>
+                <a:off x="10556235" y="8024929"/>
+                <a:ext cx="309493" cy="274320"/>
+              </a:xfrm>
+              <a:prstGeom prst="cube">
+                <a:avLst/>
+              </a:prstGeom>
+              <a:ln w="19050">
+                <a:solidFill>
+                  <a:schemeClr val="accent2"/>
+                </a:solidFill>
+              </a:ln>
+            </p:spPr>
+            <p:style>
+              <a:lnRef idx="2">
+                <a:schemeClr val="accent1">
+                  <a:shade val="50000"/>
+                </a:schemeClr>
+              </a:lnRef>
+              <a:fillRef idx="1">
+                <a:schemeClr val="accent1"/>
+              </a:fillRef>
+              <a:effectRef idx="0">
+                <a:schemeClr val="accent1"/>
+              </a:effectRef>
+              <a:fontRef idx="minor">
+                <a:schemeClr val="lt1"/>
+              </a:fontRef>
+            </p:style>
+            <p:txBody>
+              <a:bodyPr rtlCol="0" anchor="ctr"/>
+              <a:lstStyle/>
+              <a:p>
+                <a:pPr algn="ctr"/>
+                <a:endParaRPr lang="zh-TW" altLang="en-US"/>
+              </a:p>
+            </p:txBody>
+          </p:sp>
+        </p:grpSp>
+      </p:grpSp>
+      <p:cxnSp>
+        <p:nvCxnSpPr>
+          <p:cNvPr id="172" name="直線單箭頭接點 171"/>
+          <p:cNvCxnSpPr>
+            <a:stCxn id="112" idx="3"/>
+            <a:endCxn id="146" idx="1"/>
+          </p:cNvCxnSpPr>
+          <p:nvPr/>
+        </p:nvCxnSpPr>
+        <p:spPr>
+          <a:xfrm>
+            <a:off x="10819969" y="7318658"/>
+            <a:ext cx="0" cy="608771"/>
+          </a:xfrm>
+          <a:prstGeom prst="straightConnector1">
+            <a:avLst/>
+          </a:prstGeom>
+          <a:ln w="57150">
+            <a:solidFill>
+              <a:srgbClr val="FF0066"/>
+            </a:solidFill>
+            <a:tailEnd type="triangle"/>
+          </a:ln>
+        </p:spPr>
+        <p:style>
+          <a:lnRef idx="1">
+            <a:schemeClr val="accent1"/>
+          </a:lnRef>
+          <a:fillRef idx="0">
+            <a:schemeClr val="accent1"/>
+          </a:fillRef>
+          <a:effectRef idx="0">
+            <a:schemeClr val="accent1"/>
+          </a:effectRef>
+          <a:fontRef idx="minor">
+            <a:schemeClr val="tx1"/>
+          </a:fontRef>
+        </p:style>
+      </p:cxnSp>
+      <p:cxnSp>
+        <p:nvCxnSpPr>
+          <p:cNvPr id="189" name="肘形接點 188"/>
+          <p:cNvCxnSpPr>
+            <a:stCxn id="37" idx="0"/>
+            <a:endCxn id="106" idx="0"/>
+          </p:cNvCxnSpPr>
+          <p:nvPr/>
+        </p:nvCxnSpPr>
+        <p:spPr>
+          <a:xfrm rot="5400000" flipH="1" flipV="1">
+            <a:off x="8463952" y="4242720"/>
+            <a:ext cx="146788" cy="4083419"/>
+          </a:xfrm>
+          <a:prstGeom prst="bentConnector3">
+            <a:avLst>
+              <a:gd name="adj1" fmla="val 255735"/>
+            </a:avLst>
+          </a:prstGeom>
+          <a:ln w="57150">
+            <a:solidFill>
+              <a:srgbClr val="FFC000"/>
+            </a:solidFill>
+            <a:tailEnd type="triangle"/>
+          </a:ln>
+        </p:spPr>
+        <p:style>
+          <a:lnRef idx="1">
+            <a:schemeClr val="accent1"/>
+          </a:lnRef>
+          <a:fillRef idx="0">
+            <a:schemeClr val="accent1"/>
+          </a:fillRef>
+          <a:effectRef idx="0">
+            <a:schemeClr val="accent1"/>
+          </a:effectRef>
+          <a:fontRef idx="minor">
+            <a:schemeClr val="tx1"/>
+          </a:fontRef>
+        </p:style>
+      </p:cxnSp>
+      <p:cxnSp>
+        <p:nvCxnSpPr>
+          <p:cNvPr id="136" name="直線單箭頭接點 135"/>
+          <p:cNvCxnSpPr>
+            <a:stCxn id="167" idx="5"/>
+            <a:endCxn id="230" idx="5"/>
+          </p:cNvCxnSpPr>
+          <p:nvPr/>
+        </p:nvCxnSpPr>
+        <p:spPr>
+          <a:xfrm>
+            <a:off x="11237684" y="8580845"/>
+            <a:ext cx="938225" cy="21518"/>
+          </a:xfrm>
+          <a:prstGeom prst="straightConnector1">
+            <a:avLst/>
+          </a:prstGeom>
+          <a:ln w="57150">
+            <a:gradFill>
+              <a:gsLst>
+                <a:gs pos="6000">
+                  <a:schemeClr val="accent2"/>
+                </a:gs>
+                <a:gs pos="29000">
+                  <a:srgbClr val="8BC167"/>
+                </a:gs>
+                <a:gs pos="60000">
+                  <a:srgbClr val="8BC167"/>
+                </a:gs>
+                <a:gs pos="78000">
+                  <a:schemeClr val="accent4"/>
+                </a:gs>
+              </a:gsLst>
+              <a:lin ang="0" scaled="0"/>
+            </a:gradFill>
+            <a:tailEnd type="triangle"/>
+          </a:ln>
+        </p:spPr>
+        <p:style>
+          <a:lnRef idx="1">
+            <a:schemeClr val="accent1"/>
+          </a:lnRef>
+          <a:fillRef idx="0">
+            <a:schemeClr val="accent1"/>
+          </a:fillRef>
+          <a:effectRef idx="0">
+            <a:schemeClr val="accent1"/>
+          </a:effectRef>
+          <a:fontRef idx="minor">
+            <a:schemeClr val="tx1"/>
+          </a:fontRef>
+        </p:style>
+      </p:cxnSp>
+      <p:cxnSp>
+        <p:nvCxnSpPr>
+          <p:cNvPr id="219" name="直線單箭頭接點 218"/>
+          <p:cNvCxnSpPr>
+            <a:stCxn id="19" idx="2"/>
+            <a:endCxn id="42" idx="2"/>
+          </p:cNvCxnSpPr>
+          <p:nvPr/>
+        </p:nvCxnSpPr>
+        <p:spPr>
+          <a:xfrm>
+            <a:off x="5058873" y="10101744"/>
+            <a:ext cx="763132" cy="4684"/>
+          </a:xfrm>
+          <a:prstGeom prst="straightConnector1">
+            <a:avLst/>
+          </a:prstGeom>
+          <a:ln w="57150">
+            <a:gradFill>
+              <a:gsLst>
+                <a:gs pos="0">
+                  <a:schemeClr val="accent4"/>
+                </a:gs>
+                <a:gs pos="28000">
+                  <a:srgbClr val="21C5FF"/>
+                </a:gs>
+                <a:gs pos="46000">
+                  <a:srgbClr val="21C5FF"/>
+                </a:gs>
+                <a:gs pos="76000">
+                  <a:schemeClr val="accent2"/>
+                </a:gs>
+              </a:gsLst>
+              <a:lin ang="0" scaled="0"/>
+            </a:gradFill>
+            <a:tailEnd type="triangle"/>
+          </a:ln>
+        </p:spPr>
+        <p:style>
+          <a:lnRef idx="1">
+            <a:schemeClr val="accent1"/>
+          </a:lnRef>
+          <a:fillRef idx="0">
+            <a:schemeClr val="accent1"/>
+          </a:fillRef>
+          <a:effectRef idx="0">
+            <a:schemeClr val="accent1"/>
+          </a:effectRef>
+          <a:fontRef idx="minor">
+            <a:schemeClr val="tx1"/>
+          </a:fontRef>
+        </p:style>
+      </p:cxnSp>
+      <p:grpSp>
+        <p:nvGrpSpPr>
+          <p:cNvPr id="225" name="群組 224"/>
+          <p:cNvGrpSpPr/>
+          <p:nvPr/>
+        </p:nvGrpSpPr>
+        <p:grpSpPr>
+          <a:xfrm>
+            <a:off x="7726521" y="9524474"/>
+            <a:ext cx="1316177" cy="1164841"/>
+            <a:chOff x="4723009" y="9223129"/>
+            <a:chExt cx="1316177" cy="1164841"/>
+          </a:xfrm>
+        </p:grpSpPr>
+        <p:sp>
+          <p:nvSpPr>
+            <p:cNvPr id="46" name="立方體 45"/>
+            <p:cNvSpPr/>
+            <p:nvPr/>
+          </p:nvSpPr>
+          <p:spPr>
+            <a:xfrm>
+              <a:off x="4790257" y="9223129"/>
+              <a:ext cx="1248929" cy="1098773"/>
+            </a:xfrm>
+            <a:prstGeom prst="cube">
+              <a:avLst>
+                <a:gd name="adj" fmla="val 5928"/>
+              </a:avLst>
+            </a:prstGeom>
+            <a:ln w="19050">
+              <a:solidFill>
+                <a:srgbClr val="7030A0"/>
+              </a:solidFill>
+            </a:ln>
+          </p:spPr>
+          <p:style>
+            <a:lnRef idx="2">
+              <a:schemeClr val="accent1">
+                <a:shade val="50000"/>
+              </a:schemeClr>
+            </a:lnRef>
+            <a:fillRef idx="1">
+              <a:schemeClr val="accent1"/>
+            </a:fillRef>
+            <a:effectRef idx="0">
+              <a:schemeClr val="accent1"/>
+            </a:effectRef>
+            <a:fontRef idx="minor">
+              <a:schemeClr val="lt1"/>
+            </a:fontRef>
+          </p:style>
+          <p:txBody>
+            <a:bodyPr rtlCol="0" anchor="ctr"/>
+            <a:lstStyle/>
+            <a:p>
+              <a:pPr algn="ctr"/>
+              <a:endParaRPr lang="zh-TW" altLang="en-US"/>
+            </a:p>
+          </p:txBody>
+        </p:sp>
+        <p:sp>
+          <p:nvSpPr>
+            <p:cNvPr id="47" name="立方體 46"/>
+            <p:cNvSpPr/>
+            <p:nvPr/>
+          </p:nvSpPr>
+          <p:spPr>
+            <a:xfrm>
+              <a:off x="4723009" y="9289197"/>
+              <a:ext cx="1248929" cy="1098773"/>
+            </a:xfrm>
+            <a:prstGeom prst="cube">
+              <a:avLst>
+                <a:gd name="adj" fmla="val 5928"/>
+              </a:avLst>
+            </a:prstGeom>
+            <a:ln w="19050">
+              <a:solidFill>
+                <a:schemeClr val="accent2"/>
+              </a:solidFill>
+            </a:ln>
+          </p:spPr>
+          <p:style>
+            <a:lnRef idx="2">
+              <a:schemeClr val="accent1">
+                <a:shade val="50000"/>
+              </a:schemeClr>
+            </a:lnRef>
+            <a:fillRef idx="1">
+              <a:schemeClr val="accent1"/>
+            </a:fillRef>
+            <a:effectRef idx="0">
+              <a:schemeClr val="accent1"/>
+            </a:effectRef>
+            <a:fontRef idx="minor">
+              <a:schemeClr val="lt1"/>
+            </a:fontRef>
+          </p:style>
+          <p:txBody>
+            <a:bodyPr rtlCol="0" anchor="ctr"/>
+            <a:lstStyle/>
+            <a:p>
+              <a:pPr algn="ctr"/>
+              <a:endParaRPr lang="zh-TW" altLang="en-US"/>
+            </a:p>
+          </p:txBody>
+        </p:sp>
+      </p:grpSp>
+      <p:cxnSp>
+        <p:nvCxnSpPr>
+          <p:cNvPr id="64" name="直線單箭頭接點 63"/>
+          <p:cNvCxnSpPr>
+            <a:stCxn id="43" idx="3"/>
+            <a:endCxn id="46" idx="1"/>
+          </p:cNvCxnSpPr>
+          <p:nvPr/>
+        </p:nvCxnSpPr>
+        <p:spPr>
+          <a:xfrm flipH="1">
+            <a:off x="8385666" y="7318658"/>
+            <a:ext cx="705" cy="2270951"/>
+          </a:xfrm>
+          <a:prstGeom prst="straightConnector1">
+            <a:avLst/>
+          </a:prstGeom>
+          <a:ln w="57150">
+            <a:solidFill>
+              <a:srgbClr val="FF0066"/>
+            </a:solidFill>
+            <a:tailEnd type="triangle"/>
+          </a:ln>
+        </p:spPr>
+        <p:style>
+          <a:lnRef idx="1">
+            <a:schemeClr val="accent1"/>
+          </a:lnRef>
+          <a:fillRef idx="0">
+            <a:schemeClr val="accent1"/>
+          </a:fillRef>
+          <a:effectRef idx="0">
+            <a:schemeClr val="accent1"/>
+          </a:effectRef>
+          <a:fontRef idx="minor">
+            <a:schemeClr val="tx1"/>
+          </a:fontRef>
+        </p:style>
+      </p:cxnSp>
+      <p:cxnSp>
+        <p:nvCxnSpPr>
+          <p:cNvPr id="69" name="直線單箭頭接點 68"/>
+          <p:cNvCxnSpPr>
+            <a:stCxn id="46" idx="4"/>
+            <a:endCxn id="74" idx="2"/>
+          </p:cNvCxnSpPr>
+          <p:nvPr/>
+        </p:nvCxnSpPr>
+        <p:spPr>
+          <a:xfrm>
+            <a:off x="8977563" y="10106428"/>
+            <a:ext cx="967629" cy="9391"/>
+          </a:xfrm>
+          <a:prstGeom prst="straightConnector1">
+            <a:avLst/>
+          </a:prstGeom>
+          <a:ln w="57150">
+            <a:solidFill>
+              <a:srgbClr val="B482DA"/>
+            </a:solidFill>
+            <a:tailEnd type="triangle"/>
+          </a:ln>
+        </p:spPr>
+        <p:style>
+          <a:lnRef idx="1">
+            <a:schemeClr val="accent1"/>
+          </a:lnRef>
+          <a:fillRef idx="0">
+            <a:schemeClr val="accent1"/>
+          </a:fillRef>
+          <a:effectRef idx="0">
+            <a:schemeClr val="accent1"/>
+          </a:effectRef>
+          <a:fontRef idx="minor">
+            <a:schemeClr val="tx1"/>
+          </a:fontRef>
+        </p:style>
+      </p:cxnSp>
+      <p:sp>
+        <p:nvSpPr>
+          <p:cNvPr id="230" name="平行四邊形 229"/>
+          <p:cNvSpPr/>
+          <p:nvPr/>
+        </p:nvSpPr>
+        <p:spPr>
+          <a:xfrm>
+            <a:off x="12040678" y="8061439"/>
+            <a:ext cx="1526344" cy="1081848"/>
+          </a:xfrm>
+          <a:prstGeom prst="parallelogram">
+            <a:avLst/>
+          </a:prstGeom>
+          <a:ln w="19050">
+            <a:solidFill>
+              <a:schemeClr val="accent4"/>
+            </a:solidFill>
+          </a:ln>
+        </p:spPr>
+        <p:style>
+          <a:lnRef idx="2">
+            <a:schemeClr val="accent1">
+              <a:shade val="50000"/>
+            </a:schemeClr>
+          </a:lnRef>
+          <a:fillRef idx="1">
+            <a:schemeClr val="accent1"/>
+          </a:fillRef>
+          <a:effectRef idx="0">
+            <a:schemeClr val="accent1"/>
+          </a:effectRef>
+          <a:fontRef idx="minor">
+            <a:schemeClr val="lt1"/>
+          </a:fontRef>
+        </p:style>
+        <p:txBody>
+          <a:bodyPr rtlCol="0" anchor="ctr"/>
+          <a:lstStyle/>
+          <a:p>
+            <a:pPr algn="ctr"/>
+            <a:endParaRPr lang="zh-TW" altLang="en-US"/>
+          </a:p>
+        </p:txBody>
+      </p:sp>
     </p:spTree>
     <p:extLst>
       <p:ext uri="{BB962C8B-B14F-4D97-AF65-F5344CB8AC3E}">
@@ -17634,6 +21728,13 @@
   <p:clrMapOvr>
     <a:masterClrMapping/>
   </p:clrMapOvr>
+  <p:timing>
+    <p:tnLst>
+      <p:par>
+        <p:cTn id="1" dur="indefinite" restart="never" nodeType="tmRoot"/>
+      </p:par>
+    </p:tnLst>
+  </p:timing>
 </p:sld>
 </file>
 
@@ -22619,7 +26720,7 @@
             <a:gradFill flip="none" rotWithShape="1">
               <a:gsLst>
                 <a:gs pos="60000">
-                  <a:schemeClr val="accent2"/>
+                  <a:schemeClr val="accent1"/>
                 </a:gs>
                 <a:gs pos="0">
                   <a:srgbClr val="9DC3E6"/>
@@ -23048,8 +27149,8 @@
             </a:p>
           </p:txBody>
         </p:sp>
-        <mc:AlternateContent xmlns:mc="http://schemas.openxmlformats.org/markup-compatibility/2006" xmlns:a14="http://schemas.microsoft.com/office/drawing/2010/main">
-          <mc:Choice Requires="a14">
+        <mc:AlternateContent xmlns:mc="http://schemas.openxmlformats.org/markup-compatibility/2006">
+          <mc:Choice xmlns:a14="http://schemas.microsoft.com/office/drawing/2010/main" Requires="a14">
             <p:sp>
               <p:nvSpPr>
                 <p:cNvPr id="59" name="矩形 58"/>
@@ -23069,7 +27170,7 @@
                 </a:solidFill>
                 <a:ln>
                   <a:solidFill>
-                    <a:schemeClr val="accent2"/>
+                    <a:schemeClr val="accent1"/>
                   </a:solidFill>
                 </a:ln>
               </p:spPr>
@@ -23110,7 +27211,7 @@
                             <m:ctrlPr>
                               <a:rPr lang="en-US" altLang="zh-TW" sz="1800" i="1" smtClean="0">
                                 <a:solidFill>
-                                  <a:schemeClr val="accent2">
+                                  <a:schemeClr val="accent1">
                                     <a:lumMod val="20000"/>
                                     <a:lumOff val="80000"/>
                                   </a:schemeClr>
@@ -23124,7 +27225,7 @@
                             <m:r>
                               <a:rPr lang="en-US" altLang="zh-TW" sz="1800" b="0" i="1" smtClean="0">
                                 <a:solidFill>
-                                  <a:schemeClr val="accent2">
+                                  <a:schemeClr val="accent1">
                                     <a:lumMod val="20000"/>
                                     <a:lumOff val="80000"/>
                                   </a:schemeClr>
@@ -23139,7 +27240,7 @@
                             <m:r>
                               <a:rPr lang="en-US" altLang="zh-TW" sz="1800" b="0" i="1" smtClean="0">
                                 <a:solidFill>
-                                  <a:schemeClr val="accent2">
+                                  <a:schemeClr val="accent1">
                                     <a:lumMod val="20000"/>
                                     <a:lumOff val="80000"/>
                                   </a:schemeClr>
@@ -23154,7 +27255,7 @@
                             <m:r>
                               <a:rPr lang="en-US" altLang="zh-TW" sz="1800" b="0" i="1" smtClean="0">
                                 <a:solidFill>
-                                  <a:schemeClr val="accent2">
+                                  <a:schemeClr val="accent1">
                                     <a:lumMod val="20000"/>
                                     <a:lumOff val="80000"/>
                                   </a:schemeClr>
@@ -23171,7 +27272,7 @@
                   </a14:m>
                   <a:endParaRPr lang="zh-TW" altLang="en-US" sz="1800" baseline="-25000" dirty="0">
                     <a:solidFill>
-                      <a:schemeClr val="accent2">
+                      <a:schemeClr val="accent1">
                         <a:lumMod val="20000"/>
                         <a:lumOff val="80000"/>
                       </a:schemeClr>
@@ -23182,7 +27283,7 @@
               </p:txBody>
             </p:sp>
           </mc:Choice>
-          <mc:Fallback xmlns="">
+          <mc:Fallback>
             <p:sp>
               <p:nvSpPr>
                 <p:cNvPr id="59" name="矩形 58"/>
@@ -23207,7 +27308,7 @@
                 </a:blipFill>
                 <a:ln>
                   <a:solidFill>
-                    <a:schemeClr val="accent2"/>
+                    <a:schemeClr val="accent1"/>
                   </a:solidFill>
                 </a:ln>
               </p:spPr>
@@ -23245,7 +27346,7 @@
             </a:solidFill>
             <a:ln>
               <a:solidFill>
-                <a:schemeClr val="accent2"/>
+                <a:schemeClr val="accent1"/>
               </a:solidFill>
             </a:ln>
           </p:spPr>
@@ -23278,7 +27379,7 @@
               <a:r>
                 <a:rPr lang="en-US" altLang="zh-TW" sz="1800" dirty="0" smtClean="0">
                   <a:solidFill>
-                    <a:schemeClr val="accent2">
+                    <a:schemeClr val="accent1">
                       <a:lumMod val="20000"/>
                       <a:lumOff val="80000"/>
                     </a:schemeClr>
@@ -23289,7 +27390,7 @@
               </a:r>
               <a:endParaRPr lang="zh-TW" altLang="en-US" sz="1800" dirty="0">
                 <a:solidFill>
-                  <a:schemeClr val="accent2">
+                  <a:schemeClr val="accent1">
                     <a:lumMod val="20000"/>
                     <a:lumOff val="80000"/>
                   </a:schemeClr>
@@ -23299,8 +27400,8 @@
             </a:p>
           </p:txBody>
         </p:sp>
-        <mc:AlternateContent xmlns:mc="http://schemas.openxmlformats.org/markup-compatibility/2006" xmlns:a14="http://schemas.microsoft.com/office/drawing/2010/main">
-          <mc:Choice Requires="a14">
+        <mc:AlternateContent xmlns:mc="http://schemas.openxmlformats.org/markup-compatibility/2006">
+          <mc:Choice xmlns:a14="http://schemas.microsoft.com/office/drawing/2010/main" Requires="a14">
             <p:sp>
               <p:nvSpPr>
                 <p:cNvPr id="61" name="矩形 60"/>
@@ -23320,7 +27421,7 @@
                 </a:solidFill>
                 <a:ln>
                   <a:solidFill>
-                    <a:schemeClr val="accent2"/>
+                    <a:schemeClr val="accent1"/>
                   </a:solidFill>
                 </a:ln>
               </p:spPr>
@@ -23361,7 +27462,7 @@
                             <m:ctrlPr>
                               <a:rPr lang="en-US" altLang="zh-TW" sz="1800" i="1" smtClean="0">
                                 <a:solidFill>
-                                  <a:schemeClr val="accent2">
+                                  <a:schemeClr val="accent1">
                                     <a:lumMod val="20000"/>
                                     <a:lumOff val="80000"/>
                                   </a:schemeClr>
@@ -23375,7 +27476,7 @@
                             <m:r>
                               <a:rPr lang="en-US" altLang="zh-TW" sz="1800" i="1">
                                 <a:solidFill>
-                                  <a:schemeClr val="accent2">
+                                  <a:schemeClr val="accent1">
                                     <a:lumMod val="20000"/>
                                     <a:lumOff val="80000"/>
                                   </a:schemeClr>
@@ -23390,7 +27491,7 @@
                             <m:r>
                               <a:rPr lang="en-US" altLang="zh-TW" sz="1800" b="0" i="1" smtClean="0">
                                 <a:solidFill>
-                                  <a:schemeClr val="accent2">
+                                  <a:schemeClr val="accent1">
                                     <a:lumMod val="20000"/>
                                     <a:lumOff val="80000"/>
                                   </a:schemeClr>
@@ -23405,7 +27506,7 @@
                             <m:r>
                               <a:rPr lang="en-US" altLang="zh-TW" sz="1800" i="1">
                                 <a:solidFill>
-                                  <a:schemeClr val="accent2">
+                                  <a:schemeClr val="accent1">
                                     <a:lumMod val="20000"/>
                                     <a:lumOff val="80000"/>
                                   </a:schemeClr>
@@ -23422,7 +27523,7 @@
                   </a14:m>
                   <a:endParaRPr lang="zh-TW" altLang="en-US" sz="1800" baseline="-25000" dirty="0">
                     <a:solidFill>
-                      <a:schemeClr val="accent2">
+                      <a:schemeClr val="accent1">
                         <a:lumMod val="20000"/>
                         <a:lumOff val="80000"/>
                       </a:schemeClr>
@@ -23433,7 +27534,7 @@
               </p:txBody>
             </p:sp>
           </mc:Choice>
-          <mc:Fallback xmlns="">
+          <mc:Fallback>
             <p:sp>
               <p:nvSpPr>
                 <p:cNvPr id="61" name="矩形 60"/>
@@ -23458,7 +27559,7 @@
                 </a:blipFill>
                 <a:ln>
                   <a:solidFill>
-                    <a:schemeClr val="accent2"/>
+                    <a:schemeClr val="accent1"/>
                   </a:solidFill>
                 </a:ln>
               </p:spPr>
@@ -23477,8 +27578,8 @@
             </p:sp>
           </mc:Fallback>
         </mc:AlternateContent>
-        <mc:AlternateContent xmlns:mc="http://schemas.openxmlformats.org/markup-compatibility/2006" xmlns:a14="http://schemas.microsoft.com/office/drawing/2010/main">
-          <mc:Choice Requires="a14">
+        <mc:AlternateContent xmlns:mc="http://schemas.openxmlformats.org/markup-compatibility/2006">
+          <mc:Choice xmlns:a14="http://schemas.microsoft.com/office/drawing/2010/main" Requires="a14">
             <p:sp>
               <p:nvSpPr>
                 <p:cNvPr id="62" name="矩形 61"/>
@@ -23498,7 +27599,7 @@
                 </a:solidFill>
                 <a:ln>
                   <a:solidFill>
-                    <a:schemeClr val="accent2"/>
+                    <a:schemeClr val="accent1"/>
                   </a:solidFill>
                 </a:ln>
               </p:spPr>
@@ -23539,7 +27640,7 @@
                             <m:ctrlPr>
                               <a:rPr lang="en-US" altLang="zh-TW" sz="1800" i="1" smtClean="0">
                                 <a:solidFill>
-                                  <a:schemeClr val="accent2">
+                                  <a:schemeClr val="accent1">
                                     <a:lumMod val="20000"/>
                                     <a:lumOff val="80000"/>
                                   </a:schemeClr>
@@ -23553,7 +27654,7 @@
                             <m:r>
                               <a:rPr lang="en-US" altLang="zh-TW" sz="1800" i="1">
                                 <a:solidFill>
-                                  <a:schemeClr val="accent2">
+                                  <a:schemeClr val="accent1">
                                     <a:lumMod val="20000"/>
                                     <a:lumOff val="80000"/>
                                   </a:schemeClr>
@@ -23568,7 +27669,7 @@
                             <m:r>
                               <a:rPr lang="en-US" altLang="zh-TW" sz="1800" b="0" i="1" smtClean="0">
                                 <a:solidFill>
-                                  <a:schemeClr val="accent2">
+                                  <a:schemeClr val="accent1">
                                     <a:lumMod val="20000"/>
                                     <a:lumOff val="80000"/>
                                   </a:schemeClr>
@@ -23583,7 +27684,7 @@
                             <m:r>
                               <a:rPr lang="en-US" altLang="zh-TW" sz="1800" i="1">
                                 <a:solidFill>
-                                  <a:schemeClr val="accent2">
+                                  <a:schemeClr val="accent1">
                                     <a:lumMod val="20000"/>
                                     <a:lumOff val="80000"/>
                                   </a:schemeClr>
@@ -23600,7 +27701,7 @@
                   </a14:m>
                   <a:endParaRPr lang="zh-TW" altLang="en-US" sz="1800" baseline="-25000" dirty="0">
                     <a:solidFill>
-                      <a:schemeClr val="accent2">
+                      <a:schemeClr val="accent1">
                         <a:lumMod val="20000"/>
                         <a:lumOff val="80000"/>
                       </a:schemeClr>
@@ -23611,7 +27712,7 @@
               </p:txBody>
             </p:sp>
           </mc:Choice>
-          <mc:Fallback xmlns="">
+          <mc:Fallback>
             <p:sp>
               <p:nvSpPr>
                 <p:cNvPr id="62" name="矩形 61"/>
@@ -23636,7 +27737,7 @@
                 </a:blipFill>
                 <a:ln>
                   <a:solidFill>
-                    <a:schemeClr val="accent2"/>
+                    <a:schemeClr val="accent1"/>
                   </a:solidFill>
                 </a:ln>
               </p:spPr>
@@ -24262,7 +28363,7 @@
             <a:gradFill flip="none" rotWithShape="1">
               <a:gsLst>
                 <a:gs pos="0">
-                  <a:schemeClr val="accent2"/>
+                  <a:schemeClr val="accent1"/>
                 </a:gs>
                 <a:gs pos="78000">
                   <a:srgbClr val="FF0066"/>
@@ -24394,7 +28495,7 @@
           </a:solidFill>
           <a:ln>
             <a:solidFill>
-              <a:schemeClr val="accent2"/>
+              <a:schemeClr val="accent1"/>
             </a:solidFill>
           </a:ln>
         </p:spPr>
@@ -24427,7 +28528,7 @@
             <a:r>
               <a:rPr lang="en-US" altLang="zh-TW" sz="1800" dirty="0" smtClean="0">
                 <a:solidFill>
-                  <a:schemeClr val="accent2">
+                  <a:schemeClr val="accent1">
                     <a:lumMod val="20000"/>
                     <a:lumOff val="80000"/>
                   </a:schemeClr>
@@ -24439,7 +28540,7 @@
             <a:r>
               <a:rPr lang="en-US" altLang="zh-TW" sz="1800" baseline="-25000" dirty="0" smtClean="0">
                 <a:solidFill>
-                  <a:schemeClr val="accent2">
+                  <a:schemeClr val="accent1">
                     <a:lumMod val="20000"/>
                     <a:lumOff val="80000"/>
                   </a:schemeClr>
@@ -24451,7 +28552,7 @@
             <a:r>
               <a:rPr lang="zh-TW" altLang="en-US" sz="1800" dirty="0" smtClean="0">
                 <a:solidFill>
-                  <a:schemeClr val="accent2">
+                  <a:schemeClr val="accent1">
                     <a:lumMod val="20000"/>
                     <a:lumOff val="80000"/>
                   </a:schemeClr>
@@ -24463,7 +28564,7 @@
             <a:r>
               <a:rPr lang="en-US" altLang="zh-TW" sz="1800" dirty="0" smtClean="0">
                 <a:solidFill>
-                  <a:schemeClr val="accent2">
+                  <a:schemeClr val="accent1">
                     <a:lumMod val="20000"/>
                     <a:lumOff val="80000"/>
                   </a:schemeClr>
@@ -24475,7 +28576,7 @@
             <a:r>
               <a:rPr lang="en-US" altLang="zh-TW" sz="1800" baseline="-25000" dirty="0" smtClean="0">
                 <a:solidFill>
-                  <a:schemeClr val="accent2">
+                  <a:schemeClr val="accent1">
                     <a:lumMod val="20000"/>
                     <a:lumOff val="80000"/>
                   </a:schemeClr>
@@ -24486,7 +28587,7 @@
             </a:r>
             <a:endParaRPr lang="zh-TW" altLang="en-US" sz="1800" baseline="-25000" dirty="0">
               <a:solidFill>
-                <a:schemeClr val="accent2">
+                <a:schemeClr val="accent1">
                   <a:lumMod val="20000"/>
                   <a:lumOff val="80000"/>
                 </a:schemeClr>
@@ -26379,6 +30480,12 @@
           <a:ln w="63500" cap="rnd">
             <a:gradFill flip="none" rotWithShape="1">
               <a:gsLst>
+                <a:gs pos="71000">
+                  <a:schemeClr val="accent1"/>
+                </a:gs>
+                <a:gs pos="37000">
+                  <a:schemeClr val="accent1"/>
+                </a:gs>
                 <a:gs pos="0">
                   <a:schemeClr val="accent2"/>
                 </a:gs>
